--- a/QuickStore.pptx
+++ b/QuickStore.pptx
@@ -2,20 +2,22 @@
 <file path=ppt/presentation.xml><?xml version="1.0" encoding="utf-8"?>
 <p:presentation xmlns:a="http://schemas.openxmlformats.org/drawingml/2006/main" xmlns:r="http://schemas.openxmlformats.org/officeDocument/2006/relationships" xmlns:p="http://schemas.openxmlformats.org/presentationml/2006/main" saveSubsetFonts="1">
   <p:sldMasterIdLst>
-    <p:sldMasterId id="2147483648" r:id="rId1"/>
+    <p:sldMasterId id="2147483936" r:id="rId1"/>
   </p:sldMasterIdLst>
   <p:sldIdLst>
     <p:sldId id="256" r:id="rId2"/>
     <p:sldId id="260" r:id="rId3"/>
     <p:sldId id="257" r:id="rId4"/>
     <p:sldId id="258" r:id="rId5"/>
-    <p:sldId id="259" r:id="rId6"/>
-    <p:sldId id="261" r:id="rId7"/>
-    <p:sldId id="263" r:id="rId8"/>
-    <p:sldId id="264" r:id="rId9"/>
-    <p:sldId id="265" r:id="rId10"/>
-    <p:sldId id="266" r:id="rId11"/>
-    <p:sldId id="267" r:id="rId12"/>
+    <p:sldId id="268" r:id="rId6"/>
+    <p:sldId id="269" r:id="rId7"/>
+    <p:sldId id="259" r:id="rId8"/>
+    <p:sldId id="261" r:id="rId9"/>
+    <p:sldId id="263" r:id="rId10"/>
+    <p:sldId id="264" r:id="rId11"/>
+    <p:sldId id="265" r:id="rId12"/>
+    <p:sldId id="266" r:id="rId13"/>
+    <p:sldId id="267" r:id="rId14"/>
   </p:sldIdLst>
   <p:sldSz cx="9144000" cy="6858000" type="screen4x3"/>
   <p:notesSz cx="6858000" cy="9144000"/>
@@ -118,7 +120,7 @@
 </file>
 
 <file path=ppt/slideLayouts/slideLayout1.xml><?xml version="1.0" encoding="utf-8"?>
-<p:sldLayout xmlns:a="http://schemas.openxmlformats.org/drawingml/2006/main" xmlns:r="http://schemas.openxmlformats.org/officeDocument/2006/relationships" xmlns:p="http://schemas.openxmlformats.org/presentationml/2006/main" type="title" preserve="1">
+<p:sldLayout xmlns:a="http://schemas.openxmlformats.org/drawingml/2006/main" xmlns:r="http://schemas.openxmlformats.org/officeDocument/2006/relationships" xmlns:p="http://schemas.openxmlformats.org/presentationml/2006/main" showMasterSp="0" type="title" preserve="1">
   <p:cSld name="Title Slide">
     <p:spTree>
       <p:nvGrpSpPr>
@@ -136,29 +138,93 @@
       </p:grpSpPr>
       <p:sp>
         <p:nvSpPr>
-          <p:cNvPr id="2" name="Title 1"/>
-          <p:cNvSpPr>
-            <a:spLocks noGrp="1"/>
-          </p:cNvSpPr>
-          <p:nvPr>
-            <p:ph type="ctrTitle"/>
-          </p:nvPr>
-        </p:nvSpPr>
-        <p:spPr>
-          <a:xfrm>
-            <a:off x="685800" y="2130425"/>
-            <a:ext cx="7772400" cy="1470025"/>
-          </a:xfrm>
-        </p:spPr>
-        <p:txBody>
-          <a:bodyPr/>
-          <a:lstStyle/>
-          <a:p>
-            <a:r>
-              <a:rPr lang="en-US" smtClean="0"/>
-              <a:t>Click to edit Master title style</a:t>
-            </a:r>
-            <a:endParaRPr lang="en-US"/>
+          <p:cNvPr id="7" name="Rectangle 6"/>
+          <p:cNvSpPr/>
+          <p:nvPr/>
+        </p:nvSpPr>
+        <p:spPr>
+          <a:xfrm>
+            <a:off x="7010400" y="152399"/>
+            <a:ext cx="1981200" cy="6556248"/>
+          </a:xfrm>
+          <a:prstGeom prst="rect">
+            <a:avLst/>
+          </a:prstGeom>
+          <a:solidFill>
+            <a:schemeClr val="accent1"/>
+          </a:solidFill>
+          <a:ln>
+            <a:noFill/>
+          </a:ln>
+        </p:spPr>
+        <p:style>
+          <a:lnRef idx="2">
+            <a:schemeClr val="accent1">
+              <a:shade val="50000"/>
+            </a:schemeClr>
+          </a:lnRef>
+          <a:fillRef idx="1">
+            <a:schemeClr val="accent1"/>
+          </a:fillRef>
+          <a:effectRef idx="0">
+            <a:schemeClr val="accent1"/>
+          </a:effectRef>
+          <a:fontRef idx="minor">
+            <a:schemeClr val="lt1"/>
+          </a:fontRef>
+        </p:style>
+        <p:txBody>
+          <a:bodyPr rtlCol="0" anchor="ctr"/>
+          <a:lstStyle/>
+          <a:p>
+            <a:pPr algn="ctr"/>
+            <a:endParaRPr lang="en-US" dirty="0"/>
+          </a:p>
+        </p:txBody>
+      </p:sp>
+      <p:sp>
+        <p:nvSpPr>
+          <p:cNvPr id="8" name="Rectangle 7"/>
+          <p:cNvSpPr/>
+          <p:nvPr/>
+        </p:nvSpPr>
+        <p:spPr>
+          <a:xfrm>
+            <a:off x="152400" y="153923"/>
+            <a:ext cx="6705600" cy="6553200"/>
+          </a:xfrm>
+          <a:prstGeom prst="rect">
+            <a:avLst/>
+          </a:prstGeom>
+          <a:solidFill>
+            <a:schemeClr val="tx2"/>
+          </a:solidFill>
+          <a:ln>
+            <a:noFill/>
+          </a:ln>
+        </p:spPr>
+        <p:style>
+          <a:lnRef idx="2">
+            <a:schemeClr val="accent1">
+              <a:shade val="50000"/>
+            </a:schemeClr>
+          </a:lnRef>
+          <a:fillRef idx="1">
+            <a:schemeClr val="accent1"/>
+          </a:fillRef>
+          <a:effectRef idx="0">
+            <a:schemeClr val="accent1"/>
+          </a:effectRef>
+          <a:fontRef idx="minor">
+            <a:schemeClr val="lt1"/>
+          </a:fontRef>
+        </p:style>
+        <p:txBody>
+          <a:bodyPr rtlCol="0" anchor="ctr"/>
+          <a:lstStyle/>
+          <a:p>
+            <a:pPr algn="ctr"/>
+            <a:endParaRPr lang="en-US" dirty="0"/>
           </a:p>
         </p:txBody>
       </p:sp>
@@ -174,20 +240,20 @@
         </p:nvSpPr>
         <p:spPr>
           <a:xfrm>
-            <a:off x="1371600" y="3886200"/>
-            <a:ext cx="6400800" cy="1752600"/>
-          </a:xfrm>
-        </p:spPr>
-        <p:txBody>
-          <a:bodyPr/>
+            <a:off x="7010400" y="2052960"/>
+            <a:ext cx="1981200" cy="1828800"/>
+          </a:xfrm>
+        </p:spPr>
+        <p:txBody>
+          <a:bodyPr anchor="ctr">
+            <a:normAutofit/>
+          </a:bodyPr>
           <a:lstStyle>
-            <a:lvl1pPr marL="0" indent="0" algn="ctr">
+            <a:lvl1pPr marL="0" indent="0" algn="l">
               <a:buNone/>
-              <a:defRPr>
+              <a:defRPr sz="1900">
                 <a:solidFill>
-                  <a:schemeClr val="tx1">
-                    <a:tint val="75000"/>
-                  </a:schemeClr>
+                  <a:srgbClr val="FFFFFF"/>
                 </a:solidFill>
               </a:defRPr>
             </a:lvl1pPr>
@@ -277,13 +343,13 @@
               <a:rPr lang="en-US" smtClean="0"/>
               <a:t>Click to edit Master subtitle style</a:t>
             </a:r>
-            <a:endParaRPr lang="en-US"/>
-          </a:p>
-        </p:txBody>
-      </p:sp>
-      <p:sp>
-        <p:nvSpPr>
-          <p:cNvPr id="4" name="Date Placeholder 3"/>
+            <a:endParaRPr lang="en-US" dirty="0"/>
+          </a:p>
+        </p:txBody>
+      </p:sp>
+      <p:sp>
+        <p:nvSpPr>
+          <p:cNvPr id="10" name="Date Placeholder 9"/>
           <p:cNvSpPr>
             <a:spLocks noGrp="1"/>
           </p:cNvSpPr>
@@ -294,68 +360,131 @@
         <p:spPr/>
         <p:txBody>
           <a:bodyPr/>
-          <a:lstStyle/>
+          <a:lstStyle>
+            <a:lvl1pPr>
+              <a:defRPr>
+                <a:solidFill>
+                  <a:schemeClr val="bg2"/>
+                </a:solidFill>
+              </a:defRPr>
+            </a:lvl1pPr>
+          </a:lstStyle>
           <a:p>
             <a:fld id="{2FA14F52-9CA3-49B7-A66C-1494C0E8B992}" type="datetimeFigureOut">
               <a:rPr lang="en-US" smtClean="0"/>
-              <a:t>9/21/2012</a:t>
+              <a:t>9/24/2012</a:t>
             </a:fld>
-            <a:endParaRPr lang="en-US"/>
-          </a:p>
-        </p:txBody>
-      </p:sp>
-      <p:sp>
-        <p:nvSpPr>
-          <p:cNvPr id="5" name="Footer Placeholder 4"/>
-          <p:cNvSpPr>
-            <a:spLocks noGrp="1"/>
-          </p:cNvSpPr>
-          <p:nvPr>
-            <p:ph type="ftr" sz="quarter" idx="11"/>
+            <a:endParaRPr lang="en-US" dirty="0"/>
+          </a:p>
+        </p:txBody>
+      </p:sp>
+      <p:sp>
+        <p:nvSpPr>
+          <p:cNvPr id="11" name="Slide Number Placeholder 10"/>
+          <p:cNvSpPr>
+            <a:spLocks noGrp="1"/>
+          </p:cNvSpPr>
+          <p:nvPr>
+            <p:ph type="sldNum" sz="quarter" idx="11"/>
           </p:nvPr>
         </p:nvSpPr>
         <p:spPr/>
         <p:txBody>
           <a:bodyPr/>
-          <a:lstStyle/>
-          <a:p>
-            <a:endParaRPr lang="en-US"/>
-          </a:p>
-        </p:txBody>
-      </p:sp>
-      <p:sp>
-        <p:nvSpPr>
-          <p:cNvPr id="6" name="Slide Number Placeholder 5"/>
-          <p:cNvSpPr>
-            <a:spLocks noGrp="1"/>
-          </p:cNvSpPr>
-          <p:nvPr>
-            <p:ph type="sldNum" sz="quarter" idx="12"/>
-          </p:nvPr>
-        </p:nvSpPr>
-        <p:spPr/>
-        <p:txBody>
-          <a:bodyPr/>
-          <a:lstStyle/>
+          <a:lstStyle>
+            <a:lvl1pPr>
+              <a:defRPr>
+                <a:solidFill>
+                  <a:srgbClr val="FFFFFF"/>
+                </a:solidFill>
+              </a:defRPr>
+            </a:lvl1pPr>
+          </a:lstStyle>
           <a:p>
             <a:fld id="{A5F6AC59-3724-4842-BF27-C6CBCF27070A}" type="slidenum">
               <a:rPr lang="en-US" smtClean="0"/>
               <a:t>‹#›</a:t>
             </a:fld>
-            <a:endParaRPr lang="en-US"/>
+            <a:endParaRPr lang="en-US" dirty="0"/>
+          </a:p>
+        </p:txBody>
+      </p:sp>
+      <p:sp>
+        <p:nvSpPr>
+          <p:cNvPr id="12" name="Footer Placeholder 11"/>
+          <p:cNvSpPr>
+            <a:spLocks noGrp="1"/>
+          </p:cNvSpPr>
+          <p:nvPr>
+            <p:ph type="ftr" sz="quarter" idx="12"/>
+          </p:nvPr>
+        </p:nvSpPr>
+        <p:spPr/>
+        <p:txBody>
+          <a:bodyPr/>
+          <a:lstStyle>
+            <a:lvl1pPr>
+              <a:defRPr>
+                <a:solidFill>
+                  <a:schemeClr val="bg2"/>
+                </a:solidFill>
+              </a:defRPr>
+            </a:lvl1pPr>
+          </a:lstStyle>
+          <a:p>
+            <a:endParaRPr lang="en-US" dirty="0"/>
+          </a:p>
+        </p:txBody>
+      </p:sp>
+      <p:sp>
+        <p:nvSpPr>
+          <p:cNvPr id="13" name="Title 12"/>
+          <p:cNvSpPr>
+            <a:spLocks noGrp="1"/>
+          </p:cNvSpPr>
+          <p:nvPr>
+            <p:ph type="title"/>
+          </p:nvPr>
+        </p:nvSpPr>
+        <p:spPr>
+          <a:xfrm>
+            <a:off x="457200" y="2052960"/>
+            <a:ext cx="6324600" cy="1828800"/>
+          </a:xfrm>
+        </p:spPr>
+        <p:txBody>
+          <a:bodyPr/>
+          <a:lstStyle>
+            <a:lvl1pPr algn="r">
+              <a:defRPr sz="4200" spc="150" baseline="0"/>
+            </a:lvl1pPr>
+          </a:lstStyle>
+          <a:p>
+            <a:r>
+              <a:rPr lang="en-US" smtClean="0"/>
+              <a:t>Click to edit Master title style</a:t>
+            </a:r>
+            <a:endParaRPr lang="en-US" dirty="0"/>
           </a:p>
         </p:txBody>
       </p:sp>
     </p:spTree>
-    <p:extLst>
-      <p:ext uri="{BB962C8B-B14F-4D97-AF65-F5344CB8AC3E}">
-        <p14:creationId xmlns:p14="http://schemas.microsoft.com/office/powerpoint/2010/main" val="3386747644"/>
-      </p:ext>
-    </p:extLst>
   </p:cSld>
   <p:clrMapOvr>
     <a:masterClrMapping/>
   </p:clrMapOvr>
+  <mc:AlternateContent xmlns:mc="http://schemas.openxmlformats.org/markup-compatibility/2006">
+    <mc:Choice xmlns:p14="http://schemas.microsoft.com/office/powerpoint/2010/main" Requires="p14">
+      <p:transition spd="med">
+        <p14:conveyor dir="l"/>
+      </p:transition>
+    </mc:Choice>
+    <mc:Fallback>
+      <p:transition spd="med">
+        <p:fade/>
+      </p:transition>
+    </mc:Fallback>
+  </mc:AlternateContent>
 </p:sldLayout>
 </file>
 
@@ -468,9 +597,9 @@
           <a:p>
             <a:fld id="{2FA14F52-9CA3-49B7-A66C-1494C0E8B992}" type="datetimeFigureOut">
               <a:rPr lang="en-US" smtClean="0"/>
-              <a:t>9/21/2012</a:t>
+              <a:t>9/24/2012</a:t>
             </a:fld>
-            <a:endParaRPr lang="en-US"/>
+            <a:endParaRPr lang="en-US" dirty="0"/>
           </a:p>
         </p:txBody>
       </p:sp>
@@ -489,7 +618,7 @@
           <a:bodyPr/>
           <a:lstStyle/>
           <a:p>
-            <a:endParaRPr lang="en-US"/>
+            <a:endParaRPr lang="en-US" dirty="0"/>
           </a:p>
         </p:txBody>
       </p:sp>
@@ -512,25 +641,32 @@
               <a:rPr lang="en-US" smtClean="0"/>
               <a:t>‹#›</a:t>
             </a:fld>
-            <a:endParaRPr lang="en-US"/>
+            <a:endParaRPr lang="en-US" dirty="0"/>
           </a:p>
         </p:txBody>
       </p:sp>
     </p:spTree>
-    <p:extLst>
-      <p:ext uri="{BB962C8B-B14F-4D97-AF65-F5344CB8AC3E}">
-        <p14:creationId xmlns:p14="http://schemas.microsoft.com/office/powerpoint/2010/main" val="3805507871"/>
-      </p:ext>
-    </p:extLst>
   </p:cSld>
   <p:clrMapOvr>
     <a:masterClrMapping/>
   </p:clrMapOvr>
+  <mc:AlternateContent xmlns:mc="http://schemas.openxmlformats.org/markup-compatibility/2006">
+    <mc:Choice xmlns:p14="http://schemas.microsoft.com/office/powerpoint/2010/main" Requires="p14">
+      <p:transition spd="med">
+        <p14:conveyor dir="l"/>
+      </p:transition>
+    </mc:Choice>
+    <mc:Fallback>
+      <p:transition spd="med">
+        <p:fade/>
+      </p:transition>
+    </mc:Fallback>
+  </mc:AlternateContent>
 </p:sldLayout>
 </file>
 
 <file path=ppt/slideLayouts/slideLayout11.xml><?xml version="1.0" encoding="utf-8"?>
-<p:sldLayout xmlns:a="http://schemas.openxmlformats.org/drawingml/2006/main" xmlns:r="http://schemas.openxmlformats.org/officeDocument/2006/relationships" xmlns:p="http://schemas.openxmlformats.org/presentationml/2006/main" type="vertTitleAndTx" preserve="1">
+<p:sldLayout xmlns:a="http://schemas.openxmlformats.org/drawingml/2006/main" xmlns:r="http://schemas.openxmlformats.org/officeDocument/2006/relationships" xmlns:p="http://schemas.openxmlformats.org/presentationml/2006/main" showMasterSp="0" type="vertTitleAndTx" preserve="1">
   <p:cSld name="Vertical Title and Text">
     <p:spTree>
       <p:nvGrpSpPr>
@@ -548,6 +684,98 @@
       </p:grpSpPr>
       <p:sp>
         <p:nvSpPr>
+          <p:cNvPr id="7" name="Rectangle 6"/>
+          <p:cNvSpPr/>
+          <p:nvPr/>
+        </p:nvSpPr>
+        <p:spPr>
+          <a:xfrm>
+            <a:off x="152400" y="147319"/>
+            <a:ext cx="6705600" cy="6556248"/>
+          </a:xfrm>
+          <a:prstGeom prst="rect">
+            <a:avLst/>
+          </a:prstGeom>
+          <a:solidFill>
+            <a:schemeClr val="bg2"/>
+          </a:solidFill>
+          <a:ln>
+            <a:noFill/>
+          </a:ln>
+        </p:spPr>
+        <p:style>
+          <a:lnRef idx="2">
+            <a:schemeClr val="accent1">
+              <a:shade val="50000"/>
+            </a:schemeClr>
+          </a:lnRef>
+          <a:fillRef idx="1">
+            <a:schemeClr val="accent1"/>
+          </a:fillRef>
+          <a:effectRef idx="0">
+            <a:schemeClr val="accent1"/>
+          </a:effectRef>
+          <a:fontRef idx="minor">
+            <a:schemeClr val="lt1"/>
+          </a:fontRef>
+        </p:style>
+        <p:txBody>
+          <a:bodyPr rtlCol="0" anchor="ctr"/>
+          <a:lstStyle/>
+          <a:p>
+            <a:pPr algn="ctr"/>
+            <a:endParaRPr lang="en-US" dirty="0"/>
+          </a:p>
+        </p:txBody>
+      </p:sp>
+      <p:sp>
+        <p:nvSpPr>
+          <p:cNvPr id="8" name="Rectangle 7"/>
+          <p:cNvSpPr/>
+          <p:nvPr/>
+        </p:nvSpPr>
+        <p:spPr>
+          <a:xfrm>
+            <a:off x="7010400" y="147319"/>
+            <a:ext cx="1956046" cy="6556248"/>
+          </a:xfrm>
+          <a:prstGeom prst="rect">
+            <a:avLst/>
+          </a:prstGeom>
+          <a:solidFill>
+            <a:schemeClr val="tx2"/>
+          </a:solidFill>
+          <a:ln>
+            <a:noFill/>
+          </a:ln>
+        </p:spPr>
+        <p:style>
+          <a:lnRef idx="2">
+            <a:schemeClr val="accent1">
+              <a:shade val="50000"/>
+            </a:schemeClr>
+          </a:lnRef>
+          <a:fillRef idx="1">
+            <a:schemeClr val="accent1"/>
+          </a:fillRef>
+          <a:effectRef idx="0">
+            <a:schemeClr val="accent1"/>
+          </a:effectRef>
+          <a:fontRef idx="minor">
+            <a:schemeClr val="lt1"/>
+          </a:fontRef>
+        </p:style>
+        <p:txBody>
+          <a:bodyPr rtlCol="0" anchor="ctr"/>
+          <a:lstStyle/>
+          <a:p>
+            <a:pPr algn="ctr"/>
+            <a:endParaRPr lang="en-US" dirty="0"/>
+          </a:p>
+        </p:txBody>
+      </p:sp>
+      <p:sp>
+        <p:nvSpPr>
           <p:cNvPr id="2" name="Vertical Title 1"/>
           <p:cNvSpPr>
             <a:spLocks noGrp="1"/>
@@ -558,8 +786,8 @@
         </p:nvSpPr>
         <p:spPr>
           <a:xfrm>
-            <a:off x="6629400" y="274638"/>
-            <a:ext cx="2057400" cy="5851525"/>
+            <a:off x="7162800" y="274638"/>
+            <a:ext cx="1676400" cy="5851525"/>
           </a:xfrm>
         </p:spPr>
         <p:txBody>
@@ -570,7 +798,7 @@
               <a:rPr lang="en-US" smtClean="0"/>
               <a:t>Click to edit Master title style</a:t>
             </a:r>
-            <a:endParaRPr lang="en-US"/>
+            <a:endParaRPr lang="en-US" dirty="0"/>
           </a:p>
         </p:txBody>
       </p:sp>
@@ -627,7 +855,7 @@
               <a:rPr lang="en-US" smtClean="0"/>
               <a:t>Fifth level</a:t>
             </a:r>
-            <a:endParaRPr lang="en-US"/>
+            <a:endParaRPr lang="en-US" dirty="0"/>
           </a:p>
         </p:txBody>
       </p:sp>
@@ -648,9 +876,9 @@
           <a:p>
             <a:fld id="{2FA14F52-9CA3-49B7-A66C-1494C0E8B992}" type="datetimeFigureOut">
               <a:rPr lang="en-US" smtClean="0"/>
-              <a:t>9/21/2012</a:t>
+              <a:t>9/24/2012</a:t>
             </a:fld>
-            <a:endParaRPr lang="en-US"/>
+            <a:endParaRPr lang="en-US" dirty="0"/>
           </a:p>
         </p:txBody>
       </p:sp>
@@ -669,7 +897,7 @@
           <a:bodyPr/>
           <a:lstStyle/>
           <a:p>
-            <a:endParaRPr lang="en-US"/>
+            <a:endParaRPr lang="en-US" dirty="0"/>
           </a:p>
         </p:txBody>
       </p:sp>
@@ -686,26 +914,41 @@
         <p:spPr/>
         <p:txBody>
           <a:bodyPr/>
-          <a:lstStyle/>
+          <a:lstStyle>
+            <a:lvl1pPr>
+              <a:defRPr>
+                <a:solidFill>
+                  <a:schemeClr val="bg2"/>
+                </a:solidFill>
+              </a:defRPr>
+            </a:lvl1pPr>
+          </a:lstStyle>
           <a:p>
             <a:fld id="{A5F6AC59-3724-4842-BF27-C6CBCF27070A}" type="slidenum">
               <a:rPr lang="en-US" smtClean="0"/>
               <a:t>‹#›</a:t>
             </a:fld>
-            <a:endParaRPr lang="en-US"/>
+            <a:endParaRPr lang="en-US" dirty="0"/>
           </a:p>
         </p:txBody>
       </p:sp>
     </p:spTree>
-    <p:extLst>
-      <p:ext uri="{BB962C8B-B14F-4D97-AF65-F5344CB8AC3E}">
-        <p14:creationId xmlns:p14="http://schemas.microsoft.com/office/powerpoint/2010/main" val="168587979"/>
-      </p:ext>
-    </p:extLst>
   </p:cSld>
   <p:clrMapOvr>
     <a:masterClrMapping/>
   </p:clrMapOvr>
+  <mc:AlternateContent xmlns:mc="http://schemas.openxmlformats.org/markup-compatibility/2006">
+    <mc:Choice xmlns:p14="http://schemas.microsoft.com/office/powerpoint/2010/main" Requires="p14">
+      <p:transition spd="med">
+        <p14:conveyor dir="l"/>
+      </p:transition>
+    </mc:Choice>
+    <mc:Fallback>
+      <p:transition spd="med">
+        <p:fade/>
+      </p:transition>
+    </mc:Fallback>
+  </mc:AlternateContent>
 </p:sldLayout>
 </file>
 
@@ -728,12 +971,12 @@
       </p:grpSpPr>
       <p:sp>
         <p:nvSpPr>
-          <p:cNvPr id="2" name="Title 1"/>
-          <p:cNvSpPr>
-            <a:spLocks noGrp="1"/>
-          </p:cNvSpPr>
-          <p:nvPr>
-            <p:ph type="title"/>
+          <p:cNvPr id="3" name="Content Placeholder 2"/>
+          <p:cNvSpPr>
+            <a:spLocks noGrp="1"/>
+          </p:cNvSpPr>
+          <p:nvPr>
+            <p:ph idx="1"/>
           </p:nvPr>
         </p:nvSpPr>
         <p:spPr/>
@@ -741,22 +984,51 @@
           <a:bodyPr/>
           <a:lstStyle/>
           <a:p>
-            <a:r>
-              <a:rPr lang="en-US" smtClean="0"/>
-              <a:t>Click to edit Master title style</a:t>
-            </a:r>
-            <a:endParaRPr lang="en-US"/>
-          </a:p>
-        </p:txBody>
-      </p:sp>
-      <p:sp>
-        <p:nvSpPr>
-          <p:cNvPr id="3" name="Content Placeholder 2"/>
-          <p:cNvSpPr>
-            <a:spLocks noGrp="1"/>
-          </p:cNvSpPr>
-          <p:nvPr>
-            <p:ph idx="1"/>
+            <a:pPr lvl="0"/>
+            <a:r>
+              <a:rPr lang="en-US" smtClean="0"/>
+              <a:t>Click to edit Master text styles</a:t>
+            </a:r>
+          </a:p>
+          <a:p>
+            <a:pPr lvl="1"/>
+            <a:r>
+              <a:rPr lang="en-US" smtClean="0"/>
+              <a:t>Second level</a:t>
+            </a:r>
+          </a:p>
+          <a:p>
+            <a:pPr lvl="2"/>
+            <a:r>
+              <a:rPr lang="en-US" smtClean="0"/>
+              <a:t>Third level</a:t>
+            </a:r>
+          </a:p>
+          <a:p>
+            <a:pPr lvl="3"/>
+            <a:r>
+              <a:rPr lang="en-US" smtClean="0"/>
+              <a:t>Fourth level</a:t>
+            </a:r>
+          </a:p>
+          <a:p>
+            <a:pPr lvl="4"/>
+            <a:r>
+              <a:rPr lang="en-US" smtClean="0"/>
+              <a:t>Fifth level</a:t>
+            </a:r>
+            <a:endParaRPr lang="en-US" dirty="0"/>
+          </a:p>
+        </p:txBody>
+      </p:sp>
+      <p:sp>
+        <p:nvSpPr>
+          <p:cNvPr id="4" name="Date Placeholder 3"/>
+          <p:cNvSpPr>
+            <a:spLocks noGrp="1"/>
+          </p:cNvSpPr>
+          <p:nvPr>
+            <p:ph type="dt" sz="half" idx="10"/>
           </p:nvPr>
         </p:nvSpPr>
         <p:spPr/>
@@ -764,51 +1036,22 @@
           <a:bodyPr/>
           <a:lstStyle/>
           <a:p>
-            <a:pPr lvl="0"/>
-            <a:r>
-              <a:rPr lang="en-US" smtClean="0"/>
-              <a:t>Click to edit Master text styles</a:t>
-            </a:r>
-          </a:p>
-          <a:p>
-            <a:pPr lvl="1"/>
-            <a:r>
-              <a:rPr lang="en-US" smtClean="0"/>
-              <a:t>Second level</a:t>
-            </a:r>
-          </a:p>
-          <a:p>
-            <a:pPr lvl="2"/>
-            <a:r>
-              <a:rPr lang="en-US" smtClean="0"/>
-              <a:t>Third level</a:t>
-            </a:r>
-          </a:p>
-          <a:p>
-            <a:pPr lvl="3"/>
-            <a:r>
-              <a:rPr lang="en-US" smtClean="0"/>
-              <a:t>Fourth level</a:t>
-            </a:r>
-          </a:p>
-          <a:p>
-            <a:pPr lvl="4"/>
-            <a:r>
-              <a:rPr lang="en-US" smtClean="0"/>
-              <a:t>Fifth level</a:t>
-            </a:r>
-            <a:endParaRPr lang="en-US"/>
-          </a:p>
-        </p:txBody>
-      </p:sp>
-      <p:sp>
-        <p:nvSpPr>
-          <p:cNvPr id="4" name="Date Placeholder 3"/>
-          <p:cNvSpPr>
-            <a:spLocks noGrp="1"/>
-          </p:cNvSpPr>
-          <p:nvPr>
-            <p:ph type="dt" sz="half" idx="10"/>
+            <a:fld id="{2FA14F52-9CA3-49B7-A66C-1494C0E8B992}" type="datetimeFigureOut">
+              <a:rPr lang="en-US" smtClean="0"/>
+              <a:t>9/24/2012</a:t>
+            </a:fld>
+            <a:endParaRPr lang="en-US" dirty="0"/>
+          </a:p>
+        </p:txBody>
+      </p:sp>
+      <p:sp>
+        <p:nvSpPr>
+          <p:cNvPr id="5" name="Footer Placeholder 4"/>
+          <p:cNvSpPr>
+            <a:spLocks noGrp="1"/>
+          </p:cNvSpPr>
+          <p:nvPr>
+            <p:ph type="ftr" sz="quarter" idx="11"/>
           </p:nvPr>
         </p:nvSpPr>
         <p:spPr/>
@@ -816,30 +1059,7 @@
           <a:bodyPr/>
           <a:lstStyle/>
           <a:p>
-            <a:fld id="{2FA14F52-9CA3-49B7-A66C-1494C0E8B992}" type="datetimeFigureOut">
-              <a:rPr lang="en-US" smtClean="0"/>
-              <a:t>9/21/2012</a:t>
-            </a:fld>
-            <a:endParaRPr lang="en-US"/>
-          </a:p>
-        </p:txBody>
-      </p:sp>
-      <p:sp>
-        <p:nvSpPr>
-          <p:cNvPr id="5" name="Footer Placeholder 4"/>
-          <p:cNvSpPr>
-            <a:spLocks noGrp="1"/>
-          </p:cNvSpPr>
-          <p:nvPr>
-            <p:ph type="ftr" sz="quarter" idx="11"/>
-          </p:nvPr>
-        </p:nvSpPr>
-        <p:spPr/>
-        <p:txBody>
-          <a:bodyPr/>
-          <a:lstStyle/>
-          <a:p>
-            <a:endParaRPr lang="en-US"/>
+            <a:endParaRPr lang="en-US" dirty="0"/>
           </a:p>
         </p:txBody>
       </p:sp>
@@ -862,25 +1082,55 @@
               <a:rPr lang="en-US" smtClean="0"/>
               <a:t>‹#›</a:t>
             </a:fld>
+            <a:endParaRPr lang="en-US" dirty="0"/>
+          </a:p>
+        </p:txBody>
+      </p:sp>
+      <p:sp>
+        <p:nvSpPr>
+          <p:cNvPr id="7" name="Title 6"/>
+          <p:cNvSpPr>
+            <a:spLocks noGrp="1"/>
+          </p:cNvSpPr>
+          <p:nvPr>
+            <p:ph type="title"/>
+          </p:nvPr>
+        </p:nvSpPr>
+        <p:spPr/>
+        <p:txBody>
+          <a:bodyPr/>
+          <a:lstStyle/>
+          <a:p>
+            <a:r>
+              <a:rPr lang="en-US" smtClean="0"/>
+              <a:t>Click to edit Master title style</a:t>
+            </a:r>
             <a:endParaRPr lang="en-US"/>
           </a:p>
         </p:txBody>
       </p:sp>
     </p:spTree>
-    <p:extLst>
-      <p:ext uri="{BB962C8B-B14F-4D97-AF65-F5344CB8AC3E}">
-        <p14:creationId xmlns:p14="http://schemas.microsoft.com/office/powerpoint/2010/main" val="3374335244"/>
-      </p:ext>
-    </p:extLst>
   </p:cSld>
   <p:clrMapOvr>
     <a:masterClrMapping/>
   </p:clrMapOvr>
+  <mc:AlternateContent xmlns:mc="http://schemas.openxmlformats.org/markup-compatibility/2006">
+    <mc:Choice xmlns:p14="http://schemas.microsoft.com/office/powerpoint/2010/main" Requires="p14">
+      <p:transition spd="med">
+        <p14:conveyor dir="l"/>
+      </p:transition>
+    </mc:Choice>
+    <mc:Fallback>
+      <p:transition spd="med">
+        <p:fade/>
+      </p:transition>
+    </mc:Fallback>
+  </mc:AlternateContent>
 </p:sldLayout>
 </file>
 
 <file path=ppt/slideLayouts/slideLayout3.xml><?xml version="1.0" encoding="utf-8"?>
-<p:sldLayout xmlns:a="http://schemas.openxmlformats.org/drawingml/2006/main" xmlns:r="http://schemas.openxmlformats.org/officeDocument/2006/relationships" xmlns:p="http://schemas.openxmlformats.org/presentationml/2006/main" type="secHead" preserve="1">
+<p:sldLayout xmlns:a="http://schemas.openxmlformats.org/drawingml/2006/main" xmlns:r="http://schemas.openxmlformats.org/officeDocument/2006/relationships" xmlns:p="http://schemas.openxmlformats.org/presentationml/2006/main" showMasterSp="0" type="secHead" preserve="1">
   <p:cSld name="Section Header">
     <p:spTree>
       <p:nvGrpSpPr>
@@ -898,33 +1148,93 @@
       </p:grpSpPr>
       <p:sp>
         <p:nvSpPr>
-          <p:cNvPr id="2" name="Title 1"/>
-          <p:cNvSpPr>
-            <a:spLocks noGrp="1"/>
-          </p:cNvSpPr>
-          <p:nvPr>
-            <p:ph type="title"/>
-          </p:nvPr>
-        </p:nvSpPr>
-        <p:spPr>
-          <a:xfrm>
-            <a:off x="722313" y="4406900"/>
-            <a:ext cx="7772400" cy="1362075"/>
-          </a:xfrm>
-        </p:spPr>
-        <p:txBody>
-          <a:bodyPr anchor="t"/>
-          <a:lstStyle>
-            <a:lvl1pPr algn="l">
-              <a:defRPr sz="4000" b="1" cap="all"/>
-            </a:lvl1pPr>
-          </a:lstStyle>
-          <a:p>
-            <a:r>
-              <a:rPr lang="en-US" smtClean="0"/>
-              <a:t>Click to edit Master title style</a:t>
-            </a:r>
-            <a:endParaRPr lang="en-US"/>
+          <p:cNvPr id="7" name="Rectangle 6"/>
+          <p:cNvSpPr/>
+          <p:nvPr/>
+        </p:nvSpPr>
+        <p:spPr>
+          <a:xfrm>
+            <a:off x="7010400" y="152399"/>
+            <a:ext cx="1981200" cy="6556248"/>
+          </a:xfrm>
+          <a:prstGeom prst="rect">
+            <a:avLst/>
+          </a:prstGeom>
+          <a:solidFill>
+            <a:schemeClr val="tx2"/>
+          </a:solidFill>
+          <a:ln>
+            <a:noFill/>
+          </a:ln>
+        </p:spPr>
+        <p:style>
+          <a:lnRef idx="2">
+            <a:schemeClr val="accent1">
+              <a:shade val="50000"/>
+            </a:schemeClr>
+          </a:lnRef>
+          <a:fillRef idx="1">
+            <a:schemeClr val="accent1"/>
+          </a:fillRef>
+          <a:effectRef idx="0">
+            <a:schemeClr val="accent1"/>
+          </a:effectRef>
+          <a:fontRef idx="minor">
+            <a:schemeClr val="lt1"/>
+          </a:fontRef>
+        </p:style>
+        <p:txBody>
+          <a:bodyPr rtlCol="0" anchor="ctr"/>
+          <a:lstStyle/>
+          <a:p>
+            <a:pPr algn="ctr"/>
+            <a:endParaRPr lang="en-US" dirty="0"/>
+          </a:p>
+        </p:txBody>
+      </p:sp>
+      <p:sp>
+        <p:nvSpPr>
+          <p:cNvPr id="8" name="Rectangle 7"/>
+          <p:cNvSpPr/>
+          <p:nvPr/>
+        </p:nvSpPr>
+        <p:spPr>
+          <a:xfrm>
+            <a:off x="152400" y="153923"/>
+            <a:ext cx="6705600" cy="6553200"/>
+          </a:xfrm>
+          <a:prstGeom prst="rect">
+            <a:avLst/>
+          </a:prstGeom>
+          <a:solidFill>
+            <a:schemeClr val="accent1"/>
+          </a:solidFill>
+          <a:ln>
+            <a:noFill/>
+          </a:ln>
+        </p:spPr>
+        <p:style>
+          <a:lnRef idx="2">
+            <a:schemeClr val="accent1">
+              <a:shade val="50000"/>
+            </a:schemeClr>
+          </a:lnRef>
+          <a:fillRef idx="1">
+            <a:schemeClr val="accent1"/>
+          </a:fillRef>
+          <a:effectRef idx="0">
+            <a:schemeClr val="accent1"/>
+          </a:effectRef>
+          <a:fontRef idx="minor">
+            <a:schemeClr val="lt1"/>
+          </a:fontRef>
+        </p:style>
+        <p:txBody>
+          <a:bodyPr rtlCol="0" anchor="ctr"/>
+          <a:lstStyle/>
+          <a:p>
+            <a:pPr algn="ctr"/>
+            <a:endParaRPr lang="en-US" dirty="0"/>
           </a:p>
         </p:txBody>
       </p:sp>
@@ -940,20 +1250,18 @@
         </p:nvSpPr>
         <p:spPr>
           <a:xfrm>
-            <a:off x="722313" y="2906713"/>
-            <a:ext cx="7772400" cy="1500187"/>
-          </a:xfrm>
-        </p:spPr>
-        <p:txBody>
-          <a:bodyPr anchor="b"/>
+            <a:off x="7162799" y="2892277"/>
+            <a:ext cx="1600201" cy="1645920"/>
+          </a:xfrm>
+        </p:spPr>
+        <p:txBody>
+          <a:bodyPr anchor="ctr"/>
           <a:lstStyle>
             <a:lvl1pPr marL="0" indent="0">
               <a:buNone/>
               <a:defRPr sz="2000">
                 <a:solidFill>
-                  <a:schemeClr val="tx1">
-                    <a:tint val="75000"/>
-                  </a:schemeClr>
+                  <a:schemeClr val="bg2"/>
                 </a:solidFill>
               </a:defRPr>
             </a:lvl1pPr>
@@ -1049,7 +1357,7 @@
       </p:sp>
       <p:sp>
         <p:nvSpPr>
-          <p:cNvPr id="4" name="Date Placeholder 3"/>
+          <p:cNvPr id="9" name="Date Placeholder 8"/>
           <p:cNvSpPr>
             <a:spLocks noGrp="1"/>
           </p:cNvSpPr>
@@ -1060,68 +1368,131 @@
         <p:spPr/>
         <p:txBody>
           <a:bodyPr/>
-          <a:lstStyle/>
+          <a:lstStyle>
+            <a:lvl1pPr>
+              <a:defRPr>
+                <a:solidFill>
+                  <a:srgbClr val="FFFFFF"/>
+                </a:solidFill>
+              </a:defRPr>
+            </a:lvl1pPr>
+          </a:lstStyle>
           <a:p>
             <a:fld id="{2FA14F52-9CA3-49B7-A66C-1494C0E8B992}" type="datetimeFigureOut">
               <a:rPr lang="en-US" smtClean="0"/>
-              <a:t>9/21/2012</a:t>
+              <a:t>9/24/2012</a:t>
             </a:fld>
-            <a:endParaRPr lang="en-US"/>
-          </a:p>
-        </p:txBody>
-      </p:sp>
-      <p:sp>
-        <p:nvSpPr>
-          <p:cNvPr id="5" name="Footer Placeholder 4"/>
-          <p:cNvSpPr>
-            <a:spLocks noGrp="1"/>
-          </p:cNvSpPr>
-          <p:nvPr>
-            <p:ph type="ftr" sz="quarter" idx="11"/>
+            <a:endParaRPr lang="en-US" dirty="0"/>
+          </a:p>
+        </p:txBody>
+      </p:sp>
+      <p:sp>
+        <p:nvSpPr>
+          <p:cNvPr id="10" name="Slide Number Placeholder 9"/>
+          <p:cNvSpPr>
+            <a:spLocks noGrp="1"/>
+          </p:cNvSpPr>
+          <p:nvPr>
+            <p:ph type="sldNum" sz="quarter" idx="11"/>
           </p:nvPr>
         </p:nvSpPr>
         <p:spPr/>
         <p:txBody>
           <a:bodyPr/>
-          <a:lstStyle/>
-          <a:p>
-            <a:endParaRPr lang="en-US"/>
-          </a:p>
-        </p:txBody>
-      </p:sp>
-      <p:sp>
-        <p:nvSpPr>
-          <p:cNvPr id="6" name="Slide Number Placeholder 5"/>
-          <p:cNvSpPr>
-            <a:spLocks noGrp="1"/>
-          </p:cNvSpPr>
-          <p:nvPr>
-            <p:ph type="sldNum" sz="quarter" idx="12"/>
-          </p:nvPr>
-        </p:nvSpPr>
-        <p:spPr/>
-        <p:txBody>
-          <a:bodyPr/>
-          <a:lstStyle/>
+          <a:lstStyle>
+            <a:lvl1pPr>
+              <a:defRPr>
+                <a:solidFill>
+                  <a:schemeClr val="bg2"/>
+                </a:solidFill>
+              </a:defRPr>
+            </a:lvl1pPr>
+          </a:lstStyle>
           <a:p>
             <a:fld id="{A5F6AC59-3724-4842-BF27-C6CBCF27070A}" type="slidenum">
               <a:rPr lang="en-US" smtClean="0"/>
               <a:t>‹#›</a:t>
             </a:fld>
-            <a:endParaRPr lang="en-US"/>
+            <a:endParaRPr lang="en-US" dirty="0"/>
+          </a:p>
+        </p:txBody>
+      </p:sp>
+      <p:sp>
+        <p:nvSpPr>
+          <p:cNvPr id="11" name="Footer Placeholder 10"/>
+          <p:cNvSpPr>
+            <a:spLocks noGrp="1"/>
+          </p:cNvSpPr>
+          <p:nvPr>
+            <p:ph type="ftr" sz="quarter" idx="12"/>
+          </p:nvPr>
+        </p:nvSpPr>
+        <p:spPr/>
+        <p:txBody>
+          <a:bodyPr/>
+          <a:lstStyle>
+            <a:lvl1pPr>
+              <a:defRPr>
+                <a:solidFill>
+                  <a:srgbClr val="FFFFFF"/>
+                </a:solidFill>
+              </a:defRPr>
+            </a:lvl1pPr>
+          </a:lstStyle>
+          <a:p>
+            <a:endParaRPr lang="en-US" dirty="0"/>
+          </a:p>
+        </p:txBody>
+      </p:sp>
+      <p:sp>
+        <p:nvSpPr>
+          <p:cNvPr id="12" name="Title 11"/>
+          <p:cNvSpPr>
+            <a:spLocks noGrp="1"/>
+          </p:cNvSpPr>
+          <p:nvPr>
+            <p:ph type="title"/>
+          </p:nvPr>
+        </p:nvSpPr>
+        <p:spPr>
+          <a:xfrm>
+            <a:off x="381000" y="2892277"/>
+            <a:ext cx="6324600" cy="1645920"/>
+          </a:xfrm>
+        </p:spPr>
+        <p:txBody>
+          <a:bodyPr/>
+          <a:lstStyle>
+            <a:lvl1pPr algn="r">
+              <a:defRPr sz="4200" spc="150" baseline="0"/>
+            </a:lvl1pPr>
+          </a:lstStyle>
+          <a:p>
+            <a:r>
+              <a:rPr lang="en-US" smtClean="0"/>
+              <a:t>Click to edit Master title style</a:t>
+            </a:r>
+            <a:endParaRPr lang="en-US" dirty="0"/>
           </a:p>
         </p:txBody>
       </p:sp>
     </p:spTree>
-    <p:extLst>
-      <p:ext uri="{BB962C8B-B14F-4D97-AF65-F5344CB8AC3E}">
-        <p14:creationId xmlns:p14="http://schemas.microsoft.com/office/powerpoint/2010/main" val="66188213"/>
-      </p:ext>
-    </p:extLst>
   </p:cSld>
   <p:clrMapOvr>
     <a:masterClrMapping/>
   </p:clrMapOvr>
+  <mc:AlternateContent xmlns:mc="http://schemas.openxmlformats.org/markup-compatibility/2006">
+    <mc:Choice xmlns:p14="http://schemas.microsoft.com/office/powerpoint/2010/main" Requires="p14">
+      <p:transition spd="med">
+        <p14:conveyor dir="l"/>
+      </p:transition>
+    </mc:Choice>
+    <mc:Fallback>
+      <p:transition spd="med">
+        <p:fade/>
+      </p:transition>
+    </mc:Fallback>
+  </mc:AlternateContent>
 </p:sldLayout>
 </file>
 
@@ -1144,29 +1515,6 @@
       </p:grpSpPr>
       <p:sp>
         <p:nvSpPr>
-          <p:cNvPr id="2" name="Title 1"/>
-          <p:cNvSpPr>
-            <a:spLocks noGrp="1"/>
-          </p:cNvSpPr>
-          <p:nvPr>
-            <p:ph type="title"/>
-          </p:nvPr>
-        </p:nvSpPr>
-        <p:spPr/>
-        <p:txBody>
-          <a:bodyPr/>
-          <a:lstStyle/>
-          <a:p>
-            <a:r>
-              <a:rPr lang="en-US" smtClean="0"/>
-              <a:t>Click to edit Master title style</a:t>
-            </a:r>
-            <a:endParaRPr lang="en-US"/>
-          </a:p>
-        </p:txBody>
-      </p:sp>
-      <p:sp>
-        <p:nvSpPr>
           <p:cNvPr id="3" name="Content Placeholder 2"/>
           <p:cNvSpPr>
             <a:spLocks noGrp="1"/>
@@ -1177,8 +1525,8 @@
         </p:nvSpPr>
         <p:spPr>
           <a:xfrm>
-            <a:off x="457200" y="1600200"/>
-            <a:ext cx="4038600" cy="4525963"/>
+            <a:off x="457200" y="1719072"/>
+            <a:ext cx="4038600" cy="4407408"/>
           </a:xfrm>
         </p:spPr>
         <p:txBody>
@@ -1246,7 +1594,7 @@
               <a:rPr lang="en-US" smtClean="0"/>
               <a:t>Fifth level</a:t>
             </a:r>
-            <a:endParaRPr lang="en-US"/>
+            <a:endParaRPr lang="en-US" dirty="0"/>
           </a:p>
         </p:txBody>
       </p:sp>
@@ -1262,8 +1610,8 @@
         </p:nvSpPr>
         <p:spPr>
           <a:xfrm>
-            <a:off x="4648200" y="1600200"/>
-            <a:ext cx="4038600" cy="4525963"/>
+            <a:off x="4648200" y="1719072"/>
+            <a:ext cx="4038600" cy="4407408"/>
           </a:xfrm>
         </p:spPr>
         <p:txBody>
@@ -1331,7 +1679,7 @@
               <a:rPr lang="en-US" smtClean="0"/>
               <a:t>Fifth level</a:t>
             </a:r>
-            <a:endParaRPr lang="en-US"/>
+            <a:endParaRPr lang="en-US" dirty="0"/>
           </a:p>
         </p:txBody>
       </p:sp>
@@ -1352,9 +1700,9 @@
           <a:p>
             <a:fld id="{2FA14F52-9CA3-49B7-A66C-1494C0E8B992}" type="datetimeFigureOut">
               <a:rPr lang="en-US" smtClean="0"/>
-              <a:t>9/21/2012</a:t>
+              <a:t>9/24/2012</a:t>
             </a:fld>
-            <a:endParaRPr lang="en-US"/>
+            <a:endParaRPr lang="en-US" dirty="0"/>
           </a:p>
         </p:txBody>
       </p:sp>
@@ -1373,7 +1721,7 @@
           <a:bodyPr/>
           <a:lstStyle/>
           <a:p>
-            <a:endParaRPr lang="en-US"/>
+            <a:endParaRPr lang="en-US" dirty="0"/>
           </a:p>
         </p:txBody>
       </p:sp>
@@ -1396,20 +1744,50 @@
               <a:rPr lang="en-US" smtClean="0"/>
               <a:t>‹#›</a:t>
             </a:fld>
+            <a:endParaRPr lang="en-US" dirty="0"/>
+          </a:p>
+        </p:txBody>
+      </p:sp>
+      <p:sp>
+        <p:nvSpPr>
+          <p:cNvPr id="8" name="Title 7"/>
+          <p:cNvSpPr>
+            <a:spLocks noGrp="1"/>
+          </p:cNvSpPr>
+          <p:nvPr>
+            <p:ph type="title"/>
+          </p:nvPr>
+        </p:nvSpPr>
+        <p:spPr/>
+        <p:txBody>
+          <a:bodyPr/>
+          <a:lstStyle/>
+          <a:p>
+            <a:r>
+              <a:rPr lang="en-US" smtClean="0"/>
+              <a:t>Click to edit Master title style</a:t>
+            </a:r>
             <a:endParaRPr lang="en-US"/>
           </a:p>
         </p:txBody>
       </p:sp>
     </p:spTree>
-    <p:extLst>
-      <p:ext uri="{BB962C8B-B14F-4D97-AF65-F5344CB8AC3E}">
-        <p14:creationId xmlns:p14="http://schemas.microsoft.com/office/powerpoint/2010/main" val="2956861042"/>
-      </p:ext>
-    </p:extLst>
   </p:cSld>
   <p:clrMapOvr>
     <a:masterClrMapping/>
   </p:clrMapOvr>
+  <mc:AlternateContent xmlns:mc="http://schemas.openxmlformats.org/markup-compatibility/2006">
+    <mc:Choice xmlns:p14="http://schemas.microsoft.com/office/powerpoint/2010/main" Requires="p14">
+      <p:transition spd="med">
+        <p14:conveyor dir="l"/>
+      </p:transition>
+    </mc:Choice>
+    <mc:Fallback>
+      <p:transition spd="med">
+        <p:fade/>
+      </p:transition>
+    </mc:Fallback>
+  </mc:AlternateContent>
 </p:sldLayout>
 </file>
 
@@ -1432,33 +1810,6 @@
       </p:grpSpPr>
       <p:sp>
         <p:nvSpPr>
-          <p:cNvPr id="2" name="Title 1"/>
-          <p:cNvSpPr>
-            <a:spLocks noGrp="1"/>
-          </p:cNvSpPr>
-          <p:nvPr>
-            <p:ph type="title"/>
-          </p:nvPr>
-        </p:nvSpPr>
-        <p:spPr/>
-        <p:txBody>
-          <a:bodyPr/>
-          <a:lstStyle>
-            <a:lvl1pPr>
-              <a:defRPr/>
-            </a:lvl1pPr>
-          </a:lstStyle>
-          <a:p>
-            <a:r>
-              <a:rPr lang="en-US" smtClean="0"/>
-              <a:t>Click to edit Master title style</a:t>
-            </a:r>
-            <a:endParaRPr lang="en-US"/>
-          </a:p>
-        </p:txBody>
-      </p:sp>
-      <p:sp>
-        <p:nvSpPr>
           <p:cNvPr id="3" name="Text Placeholder 2"/>
           <p:cNvSpPr>
             <a:spLocks noGrp="1"/>
@@ -1469,16 +1820,20 @@
         </p:nvSpPr>
         <p:spPr>
           <a:xfrm>
-            <a:off x="457200" y="1535113"/>
+            <a:off x="457200" y="1722438"/>
             <a:ext cx="4040188" cy="639762"/>
           </a:xfrm>
         </p:spPr>
         <p:txBody>
           <a:bodyPr anchor="b"/>
           <a:lstStyle>
-            <a:lvl1pPr marL="0" indent="0">
+            <a:lvl1pPr marL="0" indent="0" algn="ctr">
               <a:buNone/>
-              <a:defRPr sz="2400" b="1"/>
+              <a:defRPr sz="2400" b="0">
+                <a:solidFill>
+                  <a:schemeClr val="tx2"/>
+                </a:solidFill>
+              </a:defRPr>
             </a:lvl1pPr>
             <a:lvl2pPr marL="457200" indent="0">
               <a:buNone/>
@@ -1534,8 +1889,8 @@
         </p:nvSpPr>
         <p:spPr>
           <a:xfrm>
-            <a:off x="457200" y="2174875"/>
-            <a:ext cx="4040188" cy="3951288"/>
+            <a:off x="457200" y="2438399"/>
+            <a:ext cx="4040188" cy="3687763"/>
           </a:xfrm>
         </p:spPr>
         <p:txBody>
@@ -1603,7 +1958,7 @@
               <a:rPr lang="en-US" smtClean="0"/>
               <a:t>Fifth level</a:t>
             </a:r>
-            <a:endParaRPr lang="en-US"/>
+            <a:endParaRPr lang="en-US" dirty="0"/>
           </a:p>
         </p:txBody>
       </p:sp>
@@ -1619,16 +1974,20 @@
         </p:nvSpPr>
         <p:spPr>
           <a:xfrm>
-            <a:off x="4645025" y="1535113"/>
+            <a:off x="4645025" y="1722438"/>
             <a:ext cx="4041775" cy="639762"/>
           </a:xfrm>
         </p:spPr>
         <p:txBody>
           <a:bodyPr anchor="b"/>
           <a:lstStyle>
-            <a:lvl1pPr marL="0" indent="0">
+            <a:lvl1pPr marL="0" indent="0" algn="ctr">
               <a:buNone/>
-              <a:defRPr sz="2400" b="1"/>
+              <a:defRPr sz="2400" b="0">
+                <a:solidFill>
+                  <a:schemeClr val="tx2"/>
+                </a:solidFill>
+              </a:defRPr>
             </a:lvl1pPr>
             <a:lvl2pPr marL="457200" indent="0">
               <a:buNone/>
@@ -1684,8 +2043,8 @@
         </p:nvSpPr>
         <p:spPr>
           <a:xfrm>
-            <a:off x="4645025" y="2174875"/>
-            <a:ext cx="4041775" cy="3951288"/>
+            <a:off x="4645025" y="2438399"/>
+            <a:ext cx="4041775" cy="3687763"/>
           </a:xfrm>
         </p:spPr>
         <p:txBody>
@@ -1753,7 +2112,7 @@
               <a:rPr lang="en-US" smtClean="0"/>
               <a:t>Fifth level</a:t>
             </a:r>
-            <a:endParaRPr lang="en-US"/>
+            <a:endParaRPr lang="en-US" dirty="0"/>
           </a:p>
         </p:txBody>
       </p:sp>
@@ -1774,9 +2133,9 @@
           <a:p>
             <a:fld id="{2FA14F52-9CA3-49B7-A66C-1494C0E8B992}" type="datetimeFigureOut">
               <a:rPr lang="en-US" smtClean="0"/>
-              <a:t>9/21/2012</a:t>
+              <a:t>9/24/2012</a:t>
             </a:fld>
-            <a:endParaRPr lang="en-US"/>
+            <a:endParaRPr lang="en-US" dirty="0"/>
           </a:p>
         </p:txBody>
       </p:sp>
@@ -1795,7 +2154,7 @@
           <a:bodyPr/>
           <a:lstStyle/>
           <a:p>
-            <a:endParaRPr lang="en-US"/>
+            <a:endParaRPr lang="en-US" dirty="0"/>
           </a:p>
         </p:txBody>
       </p:sp>
@@ -1818,20 +2177,50 @@
               <a:rPr lang="en-US" smtClean="0"/>
               <a:t>‹#›</a:t>
             </a:fld>
+            <a:endParaRPr lang="en-US" dirty="0"/>
+          </a:p>
+        </p:txBody>
+      </p:sp>
+      <p:sp>
+        <p:nvSpPr>
+          <p:cNvPr id="10" name="Title 9"/>
+          <p:cNvSpPr>
+            <a:spLocks noGrp="1"/>
+          </p:cNvSpPr>
+          <p:nvPr>
+            <p:ph type="title"/>
+          </p:nvPr>
+        </p:nvSpPr>
+        <p:spPr/>
+        <p:txBody>
+          <a:bodyPr/>
+          <a:lstStyle/>
+          <a:p>
+            <a:r>
+              <a:rPr lang="en-US" smtClean="0"/>
+              <a:t>Click to edit Master title style</a:t>
+            </a:r>
             <a:endParaRPr lang="en-US"/>
           </a:p>
         </p:txBody>
       </p:sp>
     </p:spTree>
-    <p:extLst>
-      <p:ext uri="{BB962C8B-B14F-4D97-AF65-F5344CB8AC3E}">
-        <p14:creationId xmlns:p14="http://schemas.microsoft.com/office/powerpoint/2010/main" val="2147621284"/>
-      </p:ext>
-    </p:extLst>
   </p:cSld>
   <p:clrMapOvr>
     <a:masterClrMapping/>
   </p:clrMapOvr>
+  <mc:AlternateContent xmlns:mc="http://schemas.openxmlformats.org/markup-compatibility/2006">
+    <mc:Choice xmlns:p14="http://schemas.microsoft.com/office/powerpoint/2010/main" Requires="p14">
+      <p:transition spd="med">
+        <p14:conveyor dir="l"/>
+      </p:transition>
+    </mc:Choice>
+    <mc:Fallback>
+      <p:transition spd="med">
+        <p:fade/>
+      </p:transition>
+    </mc:Fallback>
+  </mc:AlternateContent>
 </p:sldLayout>
 </file>
 
@@ -1854,12 +2243,12 @@
       </p:grpSpPr>
       <p:sp>
         <p:nvSpPr>
-          <p:cNvPr id="2" name="Title 1"/>
-          <p:cNvSpPr>
-            <a:spLocks noGrp="1"/>
-          </p:cNvSpPr>
-          <p:nvPr>
-            <p:ph type="title"/>
+          <p:cNvPr id="3" name="Date Placeholder 2"/>
+          <p:cNvSpPr>
+            <a:spLocks noGrp="1"/>
+          </p:cNvSpPr>
+          <p:nvPr>
+            <p:ph type="dt" sz="half" idx="10"/>
           </p:nvPr>
         </p:nvSpPr>
         <p:spPr/>
@@ -1867,22 +2256,22 @@
           <a:bodyPr/>
           <a:lstStyle/>
           <a:p>
-            <a:r>
-              <a:rPr lang="en-US" smtClean="0"/>
-              <a:t>Click to edit Master title style</a:t>
-            </a:r>
-            <a:endParaRPr lang="en-US"/>
-          </a:p>
-        </p:txBody>
-      </p:sp>
-      <p:sp>
-        <p:nvSpPr>
-          <p:cNvPr id="3" name="Date Placeholder 2"/>
-          <p:cNvSpPr>
-            <a:spLocks noGrp="1"/>
-          </p:cNvSpPr>
-          <p:nvPr>
-            <p:ph type="dt" sz="half" idx="10"/>
+            <a:fld id="{2FA14F52-9CA3-49B7-A66C-1494C0E8B992}" type="datetimeFigureOut">
+              <a:rPr lang="en-US" smtClean="0"/>
+              <a:t>9/24/2012</a:t>
+            </a:fld>
+            <a:endParaRPr lang="en-US" dirty="0"/>
+          </a:p>
+        </p:txBody>
+      </p:sp>
+      <p:sp>
+        <p:nvSpPr>
+          <p:cNvPr id="4" name="Footer Placeholder 3"/>
+          <p:cNvSpPr>
+            <a:spLocks noGrp="1"/>
+          </p:cNvSpPr>
+          <p:nvPr>
+            <p:ph type="ftr" sz="quarter" idx="11"/>
           </p:nvPr>
         </p:nvSpPr>
         <p:spPr/>
@@ -1890,30 +2279,7 @@
           <a:bodyPr/>
           <a:lstStyle/>
           <a:p>
-            <a:fld id="{2FA14F52-9CA3-49B7-A66C-1494C0E8B992}" type="datetimeFigureOut">
-              <a:rPr lang="en-US" smtClean="0"/>
-              <a:t>9/21/2012</a:t>
-            </a:fld>
-            <a:endParaRPr lang="en-US"/>
-          </a:p>
-        </p:txBody>
-      </p:sp>
-      <p:sp>
-        <p:nvSpPr>
-          <p:cNvPr id="4" name="Footer Placeholder 3"/>
-          <p:cNvSpPr>
-            <a:spLocks noGrp="1"/>
-          </p:cNvSpPr>
-          <p:nvPr>
-            <p:ph type="ftr" sz="quarter" idx="11"/>
-          </p:nvPr>
-        </p:nvSpPr>
-        <p:spPr/>
-        <p:txBody>
-          <a:bodyPr/>
-          <a:lstStyle/>
-          <a:p>
-            <a:endParaRPr lang="en-US"/>
+            <a:endParaRPr lang="en-US" dirty="0"/>
           </a:p>
         </p:txBody>
       </p:sp>
@@ -1936,25 +2302,55 @@
               <a:rPr lang="en-US" smtClean="0"/>
               <a:t>‹#›</a:t>
             </a:fld>
+            <a:endParaRPr lang="en-US" dirty="0"/>
+          </a:p>
+        </p:txBody>
+      </p:sp>
+      <p:sp>
+        <p:nvSpPr>
+          <p:cNvPr id="6" name="Title 5"/>
+          <p:cNvSpPr>
+            <a:spLocks noGrp="1"/>
+          </p:cNvSpPr>
+          <p:nvPr>
+            <p:ph type="title"/>
+          </p:nvPr>
+        </p:nvSpPr>
+        <p:spPr/>
+        <p:txBody>
+          <a:bodyPr/>
+          <a:lstStyle/>
+          <a:p>
+            <a:r>
+              <a:rPr lang="en-US" smtClean="0"/>
+              <a:t>Click to edit Master title style</a:t>
+            </a:r>
             <a:endParaRPr lang="en-US"/>
           </a:p>
         </p:txBody>
       </p:sp>
     </p:spTree>
-    <p:extLst>
-      <p:ext uri="{BB962C8B-B14F-4D97-AF65-F5344CB8AC3E}">
-        <p14:creationId xmlns:p14="http://schemas.microsoft.com/office/powerpoint/2010/main" val="3557935339"/>
-      </p:ext>
-    </p:extLst>
   </p:cSld>
   <p:clrMapOvr>
     <a:masterClrMapping/>
   </p:clrMapOvr>
+  <mc:AlternateContent xmlns:mc="http://schemas.openxmlformats.org/markup-compatibility/2006">
+    <mc:Choice xmlns:p14="http://schemas.microsoft.com/office/powerpoint/2010/main" Requires="p14">
+      <p:transition spd="med">
+        <p14:conveyor dir="l"/>
+      </p:transition>
+    </mc:Choice>
+    <mc:Fallback>
+      <p:transition spd="med">
+        <p:fade/>
+      </p:transition>
+    </mc:Fallback>
+  </mc:AlternateContent>
 </p:sldLayout>
 </file>
 
 <file path=ppt/slideLayouts/slideLayout7.xml><?xml version="1.0" encoding="utf-8"?>
-<p:sldLayout xmlns:a="http://schemas.openxmlformats.org/drawingml/2006/main" xmlns:r="http://schemas.openxmlformats.org/officeDocument/2006/relationships" xmlns:p="http://schemas.openxmlformats.org/presentationml/2006/main" type="blank" preserve="1">
+<p:sldLayout xmlns:a="http://schemas.openxmlformats.org/drawingml/2006/main" xmlns:r="http://schemas.openxmlformats.org/officeDocument/2006/relationships" xmlns:p="http://schemas.openxmlformats.org/presentationml/2006/main" showMasterSp="0" type="blank" preserve="1">
   <p:cSld name="Blank">
     <p:spTree>
       <p:nvGrpSpPr>
@@ -1972,6 +2368,52 @@
       </p:grpSpPr>
       <p:sp>
         <p:nvSpPr>
+          <p:cNvPr id="5" name="Rectangle 4"/>
+          <p:cNvSpPr/>
+          <p:nvPr/>
+        </p:nvSpPr>
+        <p:spPr>
+          <a:xfrm>
+            <a:off x="152400" y="150919"/>
+            <a:ext cx="8831802" cy="6556248"/>
+          </a:xfrm>
+          <a:prstGeom prst="rect">
+            <a:avLst/>
+          </a:prstGeom>
+          <a:solidFill>
+            <a:schemeClr val="bg2"/>
+          </a:solidFill>
+          <a:ln>
+            <a:noFill/>
+          </a:ln>
+        </p:spPr>
+        <p:style>
+          <a:lnRef idx="2">
+            <a:schemeClr val="accent1">
+              <a:shade val="50000"/>
+            </a:schemeClr>
+          </a:lnRef>
+          <a:fillRef idx="1">
+            <a:schemeClr val="accent1"/>
+          </a:fillRef>
+          <a:effectRef idx="0">
+            <a:schemeClr val="accent1"/>
+          </a:effectRef>
+          <a:fontRef idx="minor">
+            <a:schemeClr val="lt1"/>
+          </a:fontRef>
+        </p:style>
+        <p:txBody>
+          <a:bodyPr rtlCol="0" anchor="ctr"/>
+          <a:lstStyle/>
+          <a:p>
+            <a:pPr algn="ctr"/>
+            <a:endParaRPr lang="en-US" dirty="0"/>
+          </a:p>
+        </p:txBody>
+      </p:sp>
+      <p:sp>
+        <p:nvSpPr>
           <p:cNvPr id="2" name="Date Placeholder 1"/>
           <p:cNvSpPr>
             <a:spLocks noGrp="1"/>
@@ -1987,9 +2429,9 @@
           <a:p>
             <a:fld id="{2FA14F52-9CA3-49B7-A66C-1494C0E8B992}" type="datetimeFigureOut">
               <a:rPr lang="en-US" smtClean="0"/>
-              <a:t>9/21/2012</a:t>
+              <a:t>9/24/2012</a:t>
             </a:fld>
-            <a:endParaRPr lang="en-US"/>
+            <a:endParaRPr lang="en-US" dirty="0"/>
           </a:p>
         </p:txBody>
       </p:sp>
@@ -2008,7 +2450,7 @@
           <a:bodyPr/>
           <a:lstStyle/>
           <a:p>
-            <a:endParaRPr lang="en-US"/>
+            <a:endParaRPr lang="en-US" dirty="0"/>
           </a:p>
         </p:txBody>
       </p:sp>
@@ -2031,26 +2473,38 @@
               <a:rPr lang="en-US" smtClean="0"/>
               <a:t>‹#›</a:t>
             </a:fld>
-            <a:endParaRPr lang="en-US"/>
+            <a:endParaRPr lang="en-US" dirty="0"/>
           </a:p>
         </p:txBody>
       </p:sp>
     </p:spTree>
-    <p:extLst>
-      <p:ext uri="{BB962C8B-B14F-4D97-AF65-F5344CB8AC3E}">
-        <p14:creationId xmlns:p14="http://schemas.microsoft.com/office/powerpoint/2010/main" val="3760423544"/>
-      </p:ext>
-    </p:extLst>
   </p:cSld>
   <p:clrMapOvr>
     <a:masterClrMapping/>
   </p:clrMapOvr>
+  <mc:AlternateContent xmlns:mc="http://schemas.openxmlformats.org/markup-compatibility/2006">
+    <mc:Choice xmlns:p14="http://schemas.microsoft.com/office/powerpoint/2010/main" Requires="p14">
+      <p:transition spd="med">
+        <p14:conveyor dir="l"/>
+      </p:transition>
+    </mc:Choice>
+    <mc:Fallback>
+      <p:transition spd="med">
+        <p:fade/>
+      </p:transition>
+    </mc:Fallback>
+  </mc:AlternateContent>
 </p:sldLayout>
 </file>
 
 <file path=ppt/slideLayouts/slideLayout8.xml><?xml version="1.0" encoding="utf-8"?>
-<p:sldLayout xmlns:a="http://schemas.openxmlformats.org/drawingml/2006/main" xmlns:r="http://schemas.openxmlformats.org/officeDocument/2006/relationships" xmlns:p="http://schemas.openxmlformats.org/presentationml/2006/main" type="objTx" preserve="1">
+<p:sldLayout xmlns:a="http://schemas.openxmlformats.org/drawingml/2006/main" xmlns:r="http://schemas.openxmlformats.org/officeDocument/2006/relationships" xmlns:p="http://schemas.openxmlformats.org/presentationml/2006/main" showMasterSp="0" type="objTx" preserve="1">
   <p:cSld name="Content with Caption">
+    <p:bg>
+      <p:bgRef idx="1001">
+        <a:schemeClr val="bg2"/>
+      </p:bgRef>
+    </p:bg>
     <p:spTree>
       <p:nvGrpSpPr>
         <p:cNvPr id="1" name=""/>
@@ -2067,33 +2521,136 @@
       </p:grpSpPr>
       <p:sp>
         <p:nvSpPr>
-          <p:cNvPr id="2" name="Title 1"/>
-          <p:cNvSpPr>
-            <a:spLocks noGrp="1"/>
-          </p:cNvSpPr>
-          <p:nvPr>
-            <p:ph type="title"/>
-          </p:nvPr>
-        </p:nvSpPr>
-        <p:spPr>
-          <a:xfrm>
-            <a:off x="457200" y="273050"/>
-            <a:ext cx="3008313" cy="1162050"/>
-          </a:xfrm>
-        </p:spPr>
-        <p:txBody>
-          <a:bodyPr anchor="b"/>
-          <a:lstStyle>
-            <a:lvl1pPr algn="l">
-              <a:defRPr sz="2000" b="1"/>
-            </a:lvl1pPr>
-          </a:lstStyle>
-          <a:p>
-            <a:r>
-              <a:rPr lang="en-US" smtClean="0"/>
-              <a:t>Click to edit Master title style</a:t>
-            </a:r>
-            <a:endParaRPr lang="en-US"/>
+          <p:cNvPr id="10" name="Rectangle 9"/>
+          <p:cNvSpPr/>
+          <p:nvPr/>
+        </p:nvSpPr>
+        <p:spPr>
+          <a:xfrm>
+            <a:off x="0" y="0"/>
+            <a:ext cx="9144000" cy="6858000"/>
+          </a:xfrm>
+          <a:prstGeom prst="rect">
+            <a:avLst/>
+          </a:prstGeom>
+          <a:solidFill>
+            <a:srgbClr val="FFFFFF"/>
+          </a:solidFill>
+          <a:ln>
+            <a:noFill/>
+          </a:ln>
+        </p:spPr>
+        <p:style>
+          <a:lnRef idx="2">
+            <a:schemeClr val="accent1">
+              <a:shade val="50000"/>
+            </a:schemeClr>
+          </a:lnRef>
+          <a:fillRef idx="1">
+            <a:schemeClr val="accent1"/>
+          </a:fillRef>
+          <a:effectRef idx="0">
+            <a:schemeClr val="accent1"/>
+          </a:effectRef>
+          <a:fontRef idx="minor">
+            <a:schemeClr val="lt1"/>
+          </a:fontRef>
+        </p:style>
+        <p:txBody>
+          <a:bodyPr rtlCol="0" anchor="ctr"/>
+          <a:lstStyle/>
+          <a:p>
+            <a:pPr algn="ctr"/>
+            <a:endParaRPr lang="en-US" dirty="0"/>
+          </a:p>
+        </p:txBody>
+      </p:sp>
+      <p:sp>
+        <p:nvSpPr>
+          <p:cNvPr id="8" name="Rectangle 7"/>
+          <p:cNvSpPr/>
+          <p:nvPr/>
+        </p:nvSpPr>
+        <p:spPr>
+          <a:xfrm>
+            <a:off x="7010400" y="150876"/>
+            <a:ext cx="1981200" cy="6556248"/>
+          </a:xfrm>
+          <a:prstGeom prst="rect">
+            <a:avLst/>
+          </a:prstGeom>
+          <a:solidFill>
+            <a:schemeClr val="accent1"/>
+          </a:solidFill>
+          <a:ln>
+            <a:noFill/>
+          </a:ln>
+        </p:spPr>
+        <p:style>
+          <a:lnRef idx="2">
+            <a:schemeClr val="accent1">
+              <a:shade val="50000"/>
+            </a:schemeClr>
+          </a:lnRef>
+          <a:fillRef idx="1">
+            <a:schemeClr val="accent1"/>
+          </a:fillRef>
+          <a:effectRef idx="0">
+            <a:schemeClr val="accent1"/>
+          </a:effectRef>
+          <a:fontRef idx="minor">
+            <a:schemeClr val="lt1"/>
+          </a:fontRef>
+        </p:style>
+        <p:txBody>
+          <a:bodyPr rtlCol="0" anchor="ctr"/>
+          <a:lstStyle/>
+          <a:p>
+            <a:pPr algn="ctr"/>
+            <a:endParaRPr lang="en-US" dirty="0"/>
+          </a:p>
+        </p:txBody>
+      </p:sp>
+      <p:sp useBgFill="1">
+        <p:nvSpPr>
+          <p:cNvPr id="9" name="Rectangle 8"/>
+          <p:cNvSpPr/>
+          <p:nvPr/>
+        </p:nvSpPr>
+        <p:spPr>
+          <a:xfrm>
+            <a:off x="152400" y="152400"/>
+            <a:ext cx="6705600" cy="6553200"/>
+          </a:xfrm>
+          <a:prstGeom prst="rect">
+            <a:avLst/>
+          </a:prstGeom>
+          <a:ln>
+            <a:noFill/>
+          </a:ln>
+        </p:spPr>
+        <p:style>
+          <a:lnRef idx="2">
+            <a:schemeClr val="accent1">
+              <a:shade val="50000"/>
+            </a:schemeClr>
+          </a:lnRef>
+          <a:fillRef idx="1">
+            <a:schemeClr val="accent1"/>
+          </a:fillRef>
+          <a:effectRef idx="0">
+            <a:schemeClr val="accent1"/>
+          </a:effectRef>
+          <a:fontRef idx="minor">
+            <a:schemeClr val="lt1"/>
+          </a:fontRef>
+        </p:style>
+        <p:txBody>
+          <a:bodyPr rtlCol="0" anchor="ctr"/>
+          <a:lstStyle/>
+          <a:p>
+            <a:pPr algn="ctr"/>
+            <a:endParaRPr lang="en-US" dirty="0"/>
           </a:p>
         </p:txBody>
       </p:sp>
@@ -2109,8 +2666,8 @@
         </p:nvSpPr>
         <p:spPr>
           <a:xfrm>
-            <a:off x="3575050" y="273050"/>
-            <a:ext cx="5111750" cy="5853113"/>
+            <a:off x="609600" y="304800"/>
+            <a:ext cx="5867400" cy="5853113"/>
           </a:xfrm>
         </p:spPr>
         <p:txBody>
@@ -2194,16 +2751,20 @@
         </p:nvSpPr>
         <p:spPr>
           <a:xfrm>
-            <a:off x="457200" y="1435100"/>
-            <a:ext cx="3008313" cy="4691063"/>
-          </a:xfrm>
-        </p:spPr>
-        <p:txBody>
-          <a:bodyPr/>
+            <a:off x="7159752" y="2130552"/>
+            <a:ext cx="1673352" cy="2816352"/>
+          </a:xfrm>
+        </p:spPr>
+        <p:txBody>
+          <a:bodyPr tIns="0"/>
           <a:lstStyle>
             <a:lvl1pPr marL="0" indent="0">
               <a:buNone/>
-              <a:defRPr sz="1400"/>
+              <a:defRPr sz="1400">
+                <a:solidFill>
+                  <a:srgbClr val="FFFFFF"/>
+                </a:solidFill>
+              </a:defRPr>
             </a:lvl1pPr>
             <a:lvl2pPr marL="457200" indent="0">
               <a:buNone/>
@@ -2264,9 +2825,9 @@
           <a:p>
             <a:fld id="{2FA14F52-9CA3-49B7-A66C-1494C0E8B992}" type="datetimeFigureOut">
               <a:rPr lang="en-US" smtClean="0"/>
-              <a:t>9/21/2012</a:t>
+              <a:t>9/24/2012</a:t>
             </a:fld>
-            <a:endParaRPr lang="en-US"/>
+            <a:endParaRPr lang="en-US" dirty="0"/>
           </a:p>
         </p:txBody>
       </p:sp>
@@ -2285,7 +2846,7 @@
           <a:bodyPr/>
           <a:lstStyle/>
           <a:p>
-            <a:endParaRPr lang="en-US"/>
+            <a:endParaRPr lang="en-US" dirty="0"/>
           </a:p>
         </p:txBody>
       </p:sp>
@@ -2299,35 +2860,91 @@
             <p:ph type="sldNum" sz="quarter" idx="12"/>
           </p:nvPr>
         </p:nvSpPr>
-        <p:spPr/>
+        <p:spPr>
+          <a:ln>
+            <a:noFill/>
+          </a:ln>
+        </p:spPr>
         <p:txBody>
           <a:bodyPr/>
-          <a:lstStyle/>
+          <a:lstStyle>
+            <a:lvl1pPr>
+              <a:defRPr>
+                <a:solidFill>
+                  <a:srgbClr val="FFFFFF"/>
+                </a:solidFill>
+              </a:defRPr>
+            </a:lvl1pPr>
+          </a:lstStyle>
           <a:p>
             <a:fld id="{A5F6AC59-3724-4842-BF27-C6CBCF27070A}" type="slidenum">
               <a:rPr lang="en-US" smtClean="0"/>
               <a:t>‹#›</a:t>
             </a:fld>
-            <a:endParaRPr lang="en-US"/>
+            <a:endParaRPr lang="en-US" dirty="0"/>
+          </a:p>
+        </p:txBody>
+      </p:sp>
+      <p:sp>
+        <p:nvSpPr>
+          <p:cNvPr id="11" name="Title 10"/>
+          <p:cNvSpPr>
+            <a:spLocks noGrp="1"/>
+          </p:cNvSpPr>
+          <p:nvPr>
+            <p:ph type="title"/>
+          </p:nvPr>
+        </p:nvSpPr>
+        <p:spPr>
+          <a:xfrm>
+            <a:off x="7159752" y="457200"/>
+            <a:ext cx="1675660" cy="1673352"/>
+          </a:xfrm>
+        </p:spPr>
+        <p:txBody>
+          <a:bodyPr anchor="b"/>
+          <a:lstStyle>
+            <a:lvl1pPr algn="l">
+              <a:defRPr sz="2000" spc="150" baseline="0"/>
+            </a:lvl1pPr>
+          </a:lstStyle>
+          <a:p>
+            <a:r>
+              <a:rPr lang="en-US" smtClean="0"/>
+              <a:t>Click to edit Master title style</a:t>
+            </a:r>
+            <a:endParaRPr lang="en-US" dirty="0"/>
           </a:p>
         </p:txBody>
       </p:sp>
     </p:spTree>
-    <p:extLst>
-      <p:ext uri="{BB962C8B-B14F-4D97-AF65-F5344CB8AC3E}">
-        <p14:creationId xmlns:p14="http://schemas.microsoft.com/office/powerpoint/2010/main" val="161500107"/>
-      </p:ext>
-    </p:extLst>
   </p:cSld>
   <p:clrMapOvr>
-    <a:masterClrMapping/>
+    <a:overrideClrMapping bg1="lt1" tx1="dk1" bg2="lt2" tx2="dk2" accent1="accent1" accent2="accent2" accent3="accent3" accent4="accent4" accent5="accent5" accent6="accent6" hlink="hlink" folHlink="folHlink"/>
   </p:clrMapOvr>
+  <mc:AlternateContent xmlns:mc="http://schemas.openxmlformats.org/markup-compatibility/2006">
+    <mc:Choice xmlns:p14="http://schemas.microsoft.com/office/powerpoint/2010/main" Requires="p14">
+      <p:transition spd="med">
+        <p14:conveyor dir="l"/>
+      </p:transition>
+    </mc:Choice>
+    <mc:Fallback>
+      <p:transition spd="med">
+        <p:fade/>
+      </p:transition>
+    </mc:Fallback>
+  </mc:AlternateContent>
 </p:sldLayout>
 </file>
 
 <file path=ppt/slideLayouts/slideLayout9.xml><?xml version="1.0" encoding="utf-8"?>
-<p:sldLayout xmlns:a="http://schemas.openxmlformats.org/drawingml/2006/main" xmlns:r="http://schemas.openxmlformats.org/officeDocument/2006/relationships" xmlns:p="http://schemas.openxmlformats.org/presentationml/2006/main" type="picTx" preserve="1">
+<p:sldLayout xmlns:a="http://schemas.openxmlformats.org/drawingml/2006/main" xmlns:r="http://schemas.openxmlformats.org/officeDocument/2006/relationships" xmlns:p="http://schemas.openxmlformats.org/presentationml/2006/main" showMasterSp="0" type="picTx" preserve="1">
   <p:cSld name="Picture with Caption">
+    <p:bg>
+      <p:bgRef idx="1001">
+        <a:schemeClr val="bg2"/>
+      </p:bgRef>
+    </p:bg>
     <p:spTree>
       <p:nvGrpSpPr>
         <p:cNvPr id="1" name=""/>
@@ -2344,56 +2961,113 @@
       </p:grpSpPr>
       <p:sp>
         <p:nvSpPr>
-          <p:cNvPr id="2" name="Title 1"/>
-          <p:cNvSpPr>
-            <a:spLocks noGrp="1"/>
-          </p:cNvSpPr>
-          <p:nvPr>
-            <p:ph type="title"/>
-          </p:nvPr>
-        </p:nvSpPr>
-        <p:spPr>
-          <a:xfrm>
-            <a:off x="1792288" y="4800600"/>
-            <a:ext cx="5486400" cy="566738"/>
-          </a:xfrm>
-        </p:spPr>
-        <p:txBody>
-          <a:bodyPr anchor="b"/>
+          <p:cNvPr id="8" name="Rectangle 7"/>
+          <p:cNvSpPr/>
+          <p:nvPr/>
+        </p:nvSpPr>
+        <p:spPr>
+          <a:xfrm>
+            <a:off x="0" y="0"/>
+            <a:ext cx="9144000" cy="6858000"/>
+          </a:xfrm>
+          <a:prstGeom prst="rect">
+            <a:avLst/>
+          </a:prstGeom>
+          <a:solidFill>
+            <a:srgbClr val="FFFFFF"/>
+          </a:solidFill>
+          <a:ln>
+            <a:noFill/>
+          </a:ln>
+        </p:spPr>
+        <p:style>
+          <a:lnRef idx="2">
+            <a:schemeClr val="accent1">
+              <a:shade val="50000"/>
+            </a:schemeClr>
+          </a:lnRef>
+          <a:fillRef idx="1">
+            <a:schemeClr val="accent1"/>
+          </a:fillRef>
+          <a:effectRef idx="0">
+            <a:schemeClr val="accent1"/>
+          </a:effectRef>
+          <a:fontRef idx="minor">
+            <a:schemeClr val="lt1"/>
+          </a:fontRef>
+        </p:style>
+        <p:txBody>
+          <a:bodyPr rtlCol="0" anchor="ctr"/>
+          <a:lstStyle/>
+          <a:p>
+            <a:pPr algn="ctr"/>
+            <a:endParaRPr lang="en-US" dirty="0"/>
+          </a:p>
+        </p:txBody>
+      </p:sp>
+      <p:sp useBgFill="1">
+        <p:nvSpPr>
+          <p:cNvPr id="9" name="Rectangle 8"/>
+          <p:cNvSpPr/>
+          <p:nvPr/>
+        </p:nvSpPr>
+        <p:spPr>
+          <a:xfrm>
+            <a:off x="7010400" y="150876"/>
+            <a:ext cx="1981200" cy="6556248"/>
+          </a:xfrm>
+          <a:prstGeom prst="rect">
+            <a:avLst/>
+          </a:prstGeom>
+          <a:ln>
+            <a:noFill/>
+          </a:ln>
+        </p:spPr>
+        <p:style>
+          <a:lnRef idx="2">
+            <a:schemeClr val="accent1">
+              <a:shade val="50000"/>
+            </a:schemeClr>
+          </a:lnRef>
+          <a:fillRef idx="1">
+            <a:schemeClr val="accent1"/>
+          </a:fillRef>
+          <a:effectRef idx="0">
+            <a:schemeClr val="accent1"/>
+          </a:effectRef>
+          <a:fontRef idx="minor">
+            <a:schemeClr val="lt1"/>
+          </a:fontRef>
+        </p:style>
+        <p:txBody>
+          <a:bodyPr rtlCol="0" anchor="ctr"/>
+          <a:lstStyle/>
+          <a:p>
+            <a:pPr algn="ctr"/>
+            <a:endParaRPr lang="en-US" dirty="0"/>
+          </a:p>
+        </p:txBody>
+      </p:sp>
+      <p:sp>
+        <p:nvSpPr>
+          <p:cNvPr id="3" name="Picture Placeholder 2"/>
+          <p:cNvSpPr>
+            <a:spLocks noGrp="1"/>
+          </p:cNvSpPr>
+          <p:nvPr>
+            <p:ph type="pic" idx="1"/>
+          </p:nvPr>
+        </p:nvSpPr>
+        <p:spPr>
+          <a:xfrm>
+            <a:off x="152400" y="152400"/>
+            <a:ext cx="6705600" cy="6553200"/>
+          </a:xfrm>
+        </p:spPr>
+        <p:txBody>
+          <a:bodyPr anchor="ctr"/>
           <a:lstStyle>
-            <a:lvl1pPr algn="l">
-              <a:defRPr sz="2000" b="1"/>
-            </a:lvl1pPr>
-          </a:lstStyle>
-          <a:p>
-            <a:r>
-              <a:rPr lang="en-US" smtClean="0"/>
-              <a:t>Click to edit Master title style</a:t>
-            </a:r>
-            <a:endParaRPr lang="en-US"/>
-          </a:p>
-        </p:txBody>
-      </p:sp>
-      <p:sp>
-        <p:nvSpPr>
-          <p:cNvPr id="3" name="Picture Placeholder 2"/>
-          <p:cNvSpPr>
-            <a:spLocks noGrp="1"/>
-          </p:cNvSpPr>
-          <p:nvPr>
-            <p:ph type="pic" idx="1"/>
-          </p:nvPr>
-        </p:nvSpPr>
-        <p:spPr>
-          <a:xfrm>
-            <a:off x="1792288" y="612775"/>
-            <a:ext cx="5486400" cy="4114800"/>
-          </a:xfrm>
-        </p:spPr>
-        <p:txBody>
-          <a:bodyPr/>
-          <a:lstStyle>
-            <a:lvl1pPr marL="0" indent="0">
+            <a:lvl1pPr marL="0" indent="0" algn="ctr">
               <a:buNone/>
               <a:defRPr sz="3200"/>
             </a:lvl1pPr>
@@ -2431,7 +3105,11 @@
             </a:lvl9pPr>
           </a:lstStyle>
           <a:p>
-            <a:endParaRPr lang="en-US"/>
+            <a:r>
+              <a:rPr lang="en-US" dirty="0" smtClean="0"/>
+              <a:t>Click icon to add picture</a:t>
+            </a:r>
+            <a:endParaRPr lang="en-US" dirty="0"/>
           </a:p>
         </p:txBody>
       </p:sp>
@@ -2447,16 +3125,20 @@
         </p:nvSpPr>
         <p:spPr>
           <a:xfrm>
-            <a:off x="1792288" y="5367338"/>
-            <a:ext cx="5486400" cy="804862"/>
-          </a:xfrm>
-        </p:spPr>
-        <p:txBody>
-          <a:bodyPr/>
+            <a:off x="7162800" y="2133600"/>
+            <a:ext cx="1676400" cy="2971800"/>
+          </a:xfrm>
+        </p:spPr>
+        <p:txBody>
+          <a:bodyPr tIns="0"/>
           <a:lstStyle>
             <a:lvl1pPr marL="0" indent="0">
               <a:buNone/>
-              <a:defRPr sz="1400"/>
+              <a:defRPr sz="1400">
+                <a:solidFill>
+                  <a:schemeClr val="tx1"/>
+                </a:solidFill>
+              </a:defRPr>
             </a:lvl1pPr>
             <a:lvl2pPr marL="457200" indent="0">
               <a:buNone/>
@@ -2517,9 +3199,9 @@
           <a:p>
             <a:fld id="{2FA14F52-9CA3-49B7-A66C-1494C0E8B992}" type="datetimeFigureOut">
               <a:rPr lang="en-US" smtClean="0"/>
-              <a:t>9/21/2012</a:t>
+              <a:t>9/24/2012</a:t>
             </a:fld>
-            <a:endParaRPr lang="en-US"/>
+            <a:endParaRPr lang="en-US" dirty="0"/>
           </a:p>
         </p:txBody>
       </p:sp>
@@ -2538,7 +3220,7 @@
           <a:bodyPr/>
           <a:lstStyle/>
           <a:p>
-            <a:endParaRPr lang="en-US"/>
+            <a:endParaRPr lang="en-US" dirty="0"/>
           </a:p>
         </p:txBody>
       </p:sp>
@@ -2561,20 +3243,63 @@
               <a:rPr lang="en-US" smtClean="0"/>
               <a:t>‹#›</a:t>
             </a:fld>
-            <a:endParaRPr lang="en-US"/>
+            <a:endParaRPr lang="en-US" dirty="0"/>
+          </a:p>
+        </p:txBody>
+      </p:sp>
+      <p:sp>
+        <p:nvSpPr>
+          <p:cNvPr id="10" name="Title 9"/>
+          <p:cNvSpPr>
+            <a:spLocks noGrp="1"/>
+          </p:cNvSpPr>
+          <p:nvPr>
+            <p:ph type="title"/>
+          </p:nvPr>
+        </p:nvSpPr>
+        <p:spPr>
+          <a:xfrm>
+            <a:off x="7162800" y="460248"/>
+            <a:ext cx="1676400" cy="1673352"/>
+          </a:xfrm>
+        </p:spPr>
+        <p:txBody>
+          <a:bodyPr anchor="b"/>
+          <a:lstStyle>
+            <a:lvl1pPr algn="l">
+              <a:defRPr sz="2000" spc="150" baseline="0">
+                <a:solidFill>
+                  <a:schemeClr val="tx2"/>
+                </a:solidFill>
+              </a:defRPr>
+            </a:lvl1pPr>
+          </a:lstStyle>
+          <a:p>
+            <a:r>
+              <a:rPr lang="en-US" smtClean="0"/>
+              <a:t>Click to edit Master title style</a:t>
+            </a:r>
+            <a:endParaRPr lang="en-US" dirty="0"/>
           </a:p>
         </p:txBody>
       </p:sp>
     </p:spTree>
-    <p:extLst>
-      <p:ext uri="{BB962C8B-B14F-4D97-AF65-F5344CB8AC3E}">
-        <p14:creationId xmlns:p14="http://schemas.microsoft.com/office/powerpoint/2010/main" val="2399604528"/>
-      </p:ext>
-    </p:extLst>
   </p:cSld>
   <p:clrMapOvr>
-    <a:masterClrMapping/>
+    <a:overrideClrMapping bg1="dk1" tx1="lt1" bg2="dk2" tx2="lt2" accent1="accent1" accent2="accent2" accent3="accent3" accent4="accent4" accent5="accent5" accent6="accent6" hlink="hlink" folHlink="folHlink"/>
   </p:clrMapOvr>
+  <mc:AlternateContent xmlns:mc="http://schemas.openxmlformats.org/markup-compatibility/2006">
+    <mc:Choice xmlns:p14="http://schemas.microsoft.com/office/powerpoint/2010/main" Requires="p14">
+      <p:transition spd="med">
+        <p14:conveyor dir="l"/>
+      </p:transition>
+    </mc:Choice>
+    <mc:Fallback>
+      <p:transition spd="med">
+        <p:fade/>
+      </p:transition>
+    </mc:Fallback>
+  </mc:AlternateContent>
 </p:sldLayout>
 </file>
 
@@ -2602,55 +3327,147 @@
       </p:grpSpPr>
       <p:sp>
         <p:nvSpPr>
-          <p:cNvPr id="2" name="Title Placeholder 1"/>
-          <p:cNvSpPr>
-            <a:spLocks noGrp="1"/>
-          </p:cNvSpPr>
-          <p:nvPr>
-            <p:ph type="title"/>
-          </p:nvPr>
-        </p:nvSpPr>
-        <p:spPr>
-          <a:xfrm>
-            <a:off x="457200" y="274638"/>
-            <a:ext cx="8229600" cy="1143000"/>
+          <p:cNvPr id="9" name="Rectangle 8"/>
+          <p:cNvSpPr/>
+          <p:nvPr/>
+        </p:nvSpPr>
+        <p:spPr>
+          <a:xfrm>
+            <a:off x="152400" y="1634971"/>
+            <a:ext cx="8831802" cy="5045476"/>
           </a:xfrm>
           <a:prstGeom prst="rect">
             <a:avLst/>
           </a:prstGeom>
-        </p:spPr>
-        <p:txBody>
-          <a:bodyPr vert="horz" lIns="91440" tIns="45720" rIns="91440" bIns="45720" rtlCol="0" anchor="ctr">
-            <a:normAutofit/>
-          </a:bodyPr>
-          <a:lstStyle/>
-          <a:p>
-            <a:r>
-              <a:rPr lang="en-US" smtClean="0"/>
-              <a:t>Click to edit Master title style</a:t>
-            </a:r>
-            <a:endParaRPr lang="en-US"/>
-          </a:p>
-        </p:txBody>
-      </p:sp>
-      <p:sp>
-        <p:nvSpPr>
-          <p:cNvPr id="3" name="Text Placeholder 2"/>
-          <p:cNvSpPr>
-            <a:spLocks noGrp="1"/>
-          </p:cNvSpPr>
-          <p:nvPr>
-            <p:ph type="body" idx="1"/>
-          </p:nvPr>
-        </p:nvSpPr>
-        <p:spPr>
-          <a:xfrm>
-            <a:off x="457200" y="1600200"/>
-            <a:ext cx="8229600" cy="4525963"/>
+          <a:solidFill>
+            <a:schemeClr val="bg2"/>
+          </a:solidFill>
+          <a:ln>
+            <a:noFill/>
+          </a:ln>
+        </p:spPr>
+        <p:style>
+          <a:lnRef idx="2">
+            <a:schemeClr val="accent1">
+              <a:shade val="50000"/>
+            </a:schemeClr>
+          </a:lnRef>
+          <a:fillRef idx="1">
+            <a:schemeClr val="accent1"/>
+          </a:fillRef>
+          <a:effectRef idx="0">
+            <a:schemeClr val="accent1"/>
+          </a:effectRef>
+          <a:fontRef idx="minor">
+            <a:schemeClr val="lt1"/>
+          </a:fontRef>
+        </p:style>
+        <p:txBody>
+          <a:bodyPr rtlCol="0" anchor="ctr"/>
+          <a:lstStyle/>
+          <a:p>
+            <a:pPr algn="ctr"/>
+            <a:endParaRPr lang="en-US" dirty="0"/>
+          </a:p>
+        </p:txBody>
+      </p:sp>
+      <p:sp>
+        <p:nvSpPr>
+          <p:cNvPr id="8" name="Rectangle 7"/>
+          <p:cNvSpPr/>
+          <p:nvPr/>
+        </p:nvSpPr>
+        <p:spPr>
+          <a:xfrm>
+            <a:off x="152399" y="152400"/>
+            <a:ext cx="8814047" cy="1346447"/>
           </a:xfrm>
           <a:prstGeom prst="rect">
             <a:avLst/>
           </a:prstGeom>
+          <a:solidFill>
+            <a:schemeClr val="tx2"/>
+          </a:solidFill>
+          <a:ln>
+            <a:noFill/>
+          </a:ln>
+        </p:spPr>
+        <p:style>
+          <a:lnRef idx="2">
+            <a:schemeClr val="accent1">
+              <a:shade val="50000"/>
+            </a:schemeClr>
+          </a:lnRef>
+          <a:fillRef idx="1">
+            <a:schemeClr val="accent1"/>
+          </a:fillRef>
+          <a:effectRef idx="0">
+            <a:schemeClr val="accent1"/>
+          </a:effectRef>
+          <a:fontRef idx="minor">
+            <a:schemeClr val="lt1"/>
+          </a:fontRef>
+        </p:style>
+        <p:txBody>
+          <a:bodyPr rtlCol="0" anchor="ctr"/>
+          <a:lstStyle/>
+          <a:p>
+            <a:pPr algn="ctr"/>
+            <a:endParaRPr lang="en-US" dirty="0"/>
+          </a:p>
+        </p:txBody>
+      </p:sp>
+      <p:sp>
+        <p:nvSpPr>
+          <p:cNvPr id="2" name="Title Placeholder 1"/>
+          <p:cNvSpPr>
+            <a:spLocks noGrp="1"/>
+          </p:cNvSpPr>
+          <p:nvPr>
+            <p:ph type="title"/>
+          </p:nvPr>
+        </p:nvSpPr>
+        <p:spPr>
+          <a:xfrm>
+            <a:off x="381000" y="355847"/>
+            <a:ext cx="8381260" cy="1054394"/>
+          </a:xfrm>
+          <a:prstGeom prst="rect">
+            <a:avLst/>
+          </a:prstGeom>
+        </p:spPr>
+        <p:txBody>
+          <a:bodyPr vert="horz" lIns="91440" tIns="45720" rIns="91440" bIns="45720" rtlCol="0" anchor="ctr">
+            <a:noAutofit/>
+          </a:bodyPr>
+          <a:lstStyle/>
+          <a:p>
+            <a:r>
+              <a:rPr lang="en-US" smtClean="0"/>
+              <a:t>Click to edit Master title style</a:t>
+            </a:r>
+            <a:endParaRPr lang="en-US" dirty="0"/>
+          </a:p>
+        </p:txBody>
+      </p:sp>
+      <p:sp>
+        <p:nvSpPr>
+          <p:cNvPr id="3" name="Text Placeholder 2"/>
+          <p:cNvSpPr>
+            <a:spLocks noGrp="1"/>
+          </p:cNvSpPr>
+          <p:nvPr>
+            <p:ph type="body" idx="1"/>
+          </p:nvPr>
+        </p:nvSpPr>
+        <p:spPr>
+          <a:xfrm>
+            <a:off x="380999" y="1719071"/>
+            <a:ext cx="8407893" cy="4407408"/>
+          </a:xfrm>
+          <a:prstGeom prst="rect">
+            <a:avLst/>
+          </a:prstGeom>
         </p:spPr>
         <p:txBody>
           <a:bodyPr vert="horz" lIns="91440" tIns="45720" rIns="91440" bIns="45720" rtlCol="0">
@@ -2691,7 +3508,7 @@
               <a:rPr lang="en-US" smtClean="0"/>
               <a:t>Fifth level</a:t>
             </a:r>
-            <a:endParaRPr lang="en-US"/>
+            <a:endParaRPr lang="en-US" dirty="0"/>
           </a:p>
         </p:txBody>
       </p:sp>
@@ -2707,8 +3524,8 @@
         </p:nvSpPr>
         <p:spPr>
           <a:xfrm>
-            <a:off x="457200" y="6356350"/>
-            <a:ext cx="2133600" cy="365125"/>
+            <a:off x="370888" y="6356350"/>
+            <a:ext cx="2133600" cy="274320"/>
           </a:xfrm>
           <a:prstGeom prst="rect">
             <a:avLst/>
@@ -2718,11 +3535,9 @@
           <a:bodyPr vert="horz" lIns="91440" tIns="45720" rIns="91440" bIns="45720" rtlCol="0" anchor="ctr"/>
           <a:lstStyle>
             <a:lvl1pPr algn="l">
-              <a:defRPr sz="1200">
+              <a:defRPr sz="1100">
                 <a:solidFill>
-                  <a:schemeClr val="tx1">
-                    <a:tint val="75000"/>
-                  </a:schemeClr>
+                  <a:schemeClr val="tx2"/>
                 </a:solidFill>
               </a:defRPr>
             </a:lvl1pPr>
@@ -2730,9 +3545,9 @@
           <a:p>
             <a:fld id="{2FA14F52-9CA3-49B7-A66C-1494C0E8B992}" type="datetimeFigureOut">
               <a:rPr lang="en-US" smtClean="0"/>
-              <a:t>9/21/2012</a:t>
+              <a:t>9/24/2012</a:t>
             </a:fld>
-            <a:endParaRPr lang="en-US"/>
+            <a:endParaRPr lang="en-US" dirty="0"/>
           </a:p>
         </p:txBody>
       </p:sp>
@@ -2748,8 +3563,8 @@
         </p:nvSpPr>
         <p:spPr>
           <a:xfrm>
-            <a:off x="3124200" y="6356350"/>
-            <a:ext cx="2895600" cy="365125"/>
+            <a:off x="3048000" y="6356350"/>
+            <a:ext cx="3352800" cy="274320"/>
           </a:xfrm>
           <a:prstGeom prst="rect">
             <a:avLst/>
@@ -2759,17 +3574,15 @@
           <a:bodyPr vert="horz" lIns="91440" tIns="45720" rIns="91440" bIns="45720" rtlCol="0" anchor="ctr"/>
           <a:lstStyle>
             <a:lvl1pPr algn="ctr">
-              <a:defRPr sz="1200">
+              <a:defRPr sz="1100">
                 <a:solidFill>
-                  <a:schemeClr val="tx1">
-                    <a:tint val="75000"/>
-                  </a:schemeClr>
+                  <a:schemeClr val="tx2"/>
                 </a:solidFill>
               </a:defRPr>
             </a:lvl1pPr>
           </a:lstStyle>
           <a:p>
-            <a:endParaRPr lang="en-US"/>
+            <a:endParaRPr lang="en-US" dirty="0"/>
           </a:p>
         </p:txBody>
       </p:sp>
@@ -2785,22 +3598,23 @@
         </p:nvSpPr>
         <p:spPr>
           <a:xfrm>
-            <a:off x="6553200" y="6356350"/>
-            <a:ext cx="2133600" cy="365125"/>
+            <a:off x="8234680" y="6355080"/>
+            <a:ext cx="582966" cy="274320"/>
           </a:xfrm>
           <a:prstGeom prst="rect">
             <a:avLst/>
           </a:prstGeom>
+          <a:ln w="19050">
+            <a:noFill/>
+          </a:ln>
         </p:spPr>
         <p:txBody>
           <a:bodyPr vert="horz" lIns="91440" tIns="45720" rIns="91440" bIns="45720" rtlCol="0" anchor="ctr"/>
           <a:lstStyle>
-            <a:lvl1pPr algn="r">
-              <a:defRPr sz="1200">
+            <a:lvl1pPr algn="ctr">
+              <a:defRPr sz="1100">
                 <a:solidFill>
-                  <a:schemeClr val="tx1">
-                    <a:tint val="75000"/>
-                  </a:schemeClr>
+                  <a:schemeClr val="tx2"/>
                 </a:solidFill>
               </a:defRPr>
             </a:lvl1pPr>
@@ -2810,31 +3624,38 @@
               <a:rPr lang="en-US" smtClean="0"/>
               <a:t>‹#›</a:t>
             </a:fld>
-            <a:endParaRPr lang="en-US"/>
+            <a:endParaRPr lang="en-US" dirty="0"/>
           </a:p>
         </p:txBody>
       </p:sp>
     </p:spTree>
-    <p:extLst>
-      <p:ext uri="{BB962C8B-B14F-4D97-AF65-F5344CB8AC3E}">
-        <p14:creationId xmlns:p14="http://schemas.microsoft.com/office/powerpoint/2010/main" val="1014618209"/>
-      </p:ext>
-    </p:extLst>
   </p:cSld>
   <p:clrMap bg1="lt1" tx1="dk1" bg2="lt2" tx2="dk2" accent1="accent1" accent2="accent2" accent3="accent3" accent4="accent4" accent5="accent5" accent6="accent6" hlink="hlink" folHlink="folHlink"/>
   <p:sldLayoutIdLst>
-    <p:sldLayoutId id="2147483649" r:id="rId1"/>
-    <p:sldLayoutId id="2147483650" r:id="rId2"/>
-    <p:sldLayoutId id="2147483651" r:id="rId3"/>
-    <p:sldLayoutId id="2147483652" r:id="rId4"/>
-    <p:sldLayoutId id="2147483653" r:id="rId5"/>
-    <p:sldLayoutId id="2147483654" r:id="rId6"/>
-    <p:sldLayoutId id="2147483655" r:id="rId7"/>
-    <p:sldLayoutId id="2147483656" r:id="rId8"/>
-    <p:sldLayoutId id="2147483657" r:id="rId9"/>
-    <p:sldLayoutId id="2147483658" r:id="rId10"/>
-    <p:sldLayoutId id="2147483659" r:id="rId11"/>
+    <p:sldLayoutId id="2147483937" r:id="rId1"/>
+    <p:sldLayoutId id="2147483938" r:id="rId2"/>
+    <p:sldLayoutId id="2147483939" r:id="rId3"/>
+    <p:sldLayoutId id="2147483940" r:id="rId4"/>
+    <p:sldLayoutId id="2147483941" r:id="rId5"/>
+    <p:sldLayoutId id="2147483942" r:id="rId6"/>
+    <p:sldLayoutId id="2147483943" r:id="rId7"/>
+    <p:sldLayoutId id="2147483944" r:id="rId8"/>
+    <p:sldLayoutId id="2147483945" r:id="rId9"/>
+    <p:sldLayoutId id="2147483946" r:id="rId10"/>
+    <p:sldLayoutId id="2147483947" r:id="rId11"/>
   </p:sldLayoutIdLst>
+  <mc:AlternateContent xmlns:mc="http://schemas.openxmlformats.org/markup-compatibility/2006">
+    <mc:Choice xmlns:p14="http://schemas.microsoft.com/office/powerpoint/2010/main" Requires="p14">
+      <p:transition spd="med">
+        <p14:conveyor dir="l"/>
+      </p:transition>
+    </mc:Choice>
+    <mc:Fallback>
+      <p:transition spd="med">
+        <p:fade/>
+      </p:transition>
+    </mc:Fallback>
+  </mc:AlternateContent>
   <p:txStyles>
     <p:titleStyle>
       <a:lvl1pPr algn="ctr" defTabSz="914400" rtl="0" eaLnBrk="1" latinLnBrk="0" hangingPunct="1">
@@ -2842,10 +3663,14 @@
           <a:spcPct val="0"/>
         </a:spcBef>
         <a:buNone/>
-        <a:defRPr sz="4400" kern="1200">
+        <a:defRPr sz="3200" kern="1200" cap="all" spc="200" baseline="0">
+          <a:ln>
+            <a:noFill/>
+          </a:ln>
           <a:solidFill>
-            <a:schemeClr val="tx1"/>
+            <a:schemeClr val="bg1"/>
           </a:solidFill>
+          <a:effectLst/>
           <a:latin typeface="+mj-lt"/>
           <a:ea typeface="+mj-ea"/>
           <a:cs typeface="+mj-cs"/>
@@ -2853,135 +3678,162 @@
       </a:lvl1pPr>
     </p:titleStyle>
     <p:bodyStyle>
-      <a:lvl1pPr marL="342900" indent="-342900" algn="l" defTabSz="914400" rtl="0" eaLnBrk="1" latinLnBrk="0" hangingPunct="1">
+      <a:lvl1pPr marL="274320" indent="-228600" algn="l" defTabSz="914400" rtl="0" eaLnBrk="1" latinLnBrk="0" hangingPunct="1">
         <a:spcBef>
           <a:spcPct val="20000"/>
         </a:spcBef>
-        <a:buFont typeface="Arial" pitchFamily="34" charset="0"/>
-        <a:buChar char="•"/>
-        <a:defRPr sz="3200" kern="1200">
+        <a:buClr>
+          <a:schemeClr val="accent1"/>
+        </a:buClr>
+        <a:buFont typeface="Wingdings 2" pitchFamily="18" charset="2"/>
+        <a:buChar char=""/>
+        <a:defRPr sz="2000" kern="1200" spc="150" baseline="0">
           <a:solidFill>
-            <a:schemeClr val="tx1"/>
+            <a:schemeClr val="tx2"/>
           </a:solidFill>
           <a:latin typeface="+mn-lt"/>
           <a:ea typeface="+mn-ea"/>
           <a:cs typeface="+mn-cs"/>
         </a:defRPr>
       </a:lvl1pPr>
-      <a:lvl2pPr marL="742950" indent="-285750" algn="l" defTabSz="914400" rtl="0" eaLnBrk="1" latinLnBrk="0" hangingPunct="1">
+      <a:lvl2pPr marL="548640" indent="-182880" algn="l" defTabSz="914400" rtl="0" eaLnBrk="1" latinLnBrk="0" hangingPunct="1">
         <a:spcBef>
           <a:spcPct val="20000"/>
         </a:spcBef>
-        <a:buFont typeface="Arial" pitchFamily="34" charset="0"/>
-        <a:buChar char="–"/>
-        <a:defRPr sz="2800" kern="1200">
+        <a:buClr>
+          <a:schemeClr val="accent2"/>
+        </a:buClr>
+        <a:buFont typeface="Wingdings" pitchFamily="2" charset="2"/>
+        <a:buChar char="§"/>
+        <a:defRPr sz="1800" kern="1200" spc="100" baseline="0">
           <a:solidFill>
-            <a:schemeClr val="tx1"/>
+            <a:schemeClr val="tx2"/>
           </a:solidFill>
           <a:latin typeface="+mn-lt"/>
           <a:ea typeface="+mn-ea"/>
           <a:cs typeface="+mn-cs"/>
         </a:defRPr>
       </a:lvl2pPr>
-      <a:lvl3pPr marL="1143000" indent="-228600" algn="l" defTabSz="914400" rtl="0" eaLnBrk="1" latinLnBrk="0" hangingPunct="1">
+      <a:lvl3pPr marL="822960" indent="-182880" algn="l" defTabSz="914400" rtl="0" eaLnBrk="1" latinLnBrk="0" hangingPunct="1">
         <a:spcBef>
           <a:spcPct val="20000"/>
         </a:spcBef>
-        <a:buFont typeface="Arial" pitchFamily="34" charset="0"/>
-        <a:buChar char="•"/>
-        <a:defRPr sz="2400" kern="1200">
+        <a:buClr>
+          <a:schemeClr val="accent3"/>
+        </a:buClr>
+        <a:buFont typeface="Wingdings" pitchFamily="2" charset="2"/>
+        <a:buChar char="§"/>
+        <a:defRPr sz="1600" kern="1200" spc="100" baseline="0">
           <a:solidFill>
-            <a:schemeClr val="tx1"/>
+            <a:schemeClr val="tx2"/>
           </a:solidFill>
           <a:latin typeface="+mn-lt"/>
           <a:ea typeface="+mn-ea"/>
           <a:cs typeface="+mn-cs"/>
         </a:defRPr>
       </a:lvl3pPr>
-      <a:lvl4pPr marL="1600200" indent="-228600" algn="l" defTabSz="914400" rtl="0" eaLnBrk="1" latinLnBrk="0" hangingPunct="1">
+      <a:lvl4pPr marL="1097280" indent="-182880" algn="l" defTabSz="914400" rtl="0" eaLnBrk="1" latinLnBrk="0" hangingPunct="1">
         <a:spcBef>
           <a:spcPct val="20000"/>
         </a:spcBef>
-        <a:buFont typeface="Arial" pitchFamily="34" charset="0"/>
-        <a:buChar char="–"/>
-        <a:defRPr sz="2000" kern="1200">
+        <a:buClr>
+          <a:schemeClr val="accent4"/>
+        </a:buClr>
+        <a:buFont typeface="Wingdings" pitchFamily="2" charset="2"/>
+        <a:buChar char="§"/>
+        <a:defRPr sz="1400" kern="1200">
           <a:solidFill>
-            <a:schemeClr val="tx1"/>
+            <a:schemeClr val="tx2"/>
           </a:solidFill>
           <a:latin typeface="+mn-lt"/>
           <a:ea typeface="+mn-ea"/>
           <a:cs typeface="+mn-cs"/>
         </a:defRPr>
       </a:lvl4pPr>
-      <a:lvl5pPr marL="2057400" indent="-228600" algn="l" defTabSz="914400" rtl="0" eaLnBrk="1" latinLnBrk="0" hangingPunct="1">
+      <a:lvl5pPr marL="1280160" indent="-182880" algn="l" defTabSz="914400" rtl="0" eaLnBrk="1" latinLnBrk="0" hangingPunct="1">
         <a:spcBef>
           <a:spcPct val="20000"/>
         </a:spcBef>
-        <a:buFont typeface="Arial" pitchFamily="34" charset="0"/>
-        <a:buChar char="»"/>
-        <a:defRPr sz="2000" kern="1200">
+        <a:buClr>
+          <a:schemeClr val="accent6"/>
+        </a:buClr>
+        <a:buFont typeface="Wingdings" pitchFamily="2" charset="2"/>
+        <a:buChar char="§"/>
+        <a:defRPr sz="1300" kern="1200" spc="100" baseline="0">
           <a:solidFill>
-            <a:schemeClr val="tx1"/>
+            <a:schemeClr val="tx2"/>
           </a:solidFill>
           <a:latin typeface="+mn-lt"/>
           <a:ea typeface="+mn-ea"/>
           <a:cs typeface="+mn-cs"/>
         </a:defRPr>
       </a:lvl5pPr>
-      <a:lvl6pPr marL="2514600" indent="-228600" algn="l" defTabSz="914400" rtl="0" eaLnBrk="1" latinLnBrk="0" hangingPunct="1">
+      <a:lvl6pPr marL="1554480" indent="-182880" algn="l" defTabSz="914400" rtl="0" eaLnBrk="1" latinLnBrk="0" hangingPunct="1">
         <a:spcBef>
           <a:spcPct val="20000"/>
         </a:spcBef>
-        <a:buFont typeface="Arial" pitchFamily="34" charset="0"/>
-        <a:buChar char="•"/>
-        <a:defRPr sz="2000" kern="1200">
+        <a:buClr>
+          <a:schemeClr val="accent1"/>
+        </a:buClr>
+        <a:buFont typeface="Wingdings" pitchFamily="2" charset="2"/>
+        <a:buChar char="§"/>
+        <a:defRPr sz="1200" kern="1200">
           <a:solidFill>
-            <a:schemeClr val="tx1"/>
+            <a:schemeClr val="tx2"/>
           </a:solidFill>
           <a:latin typeface="+mn-lt"/>
           <a:ea typeface="+mn-ea"/>
           <a:cs typeface="+mn-cs"/>
         </a:defRPr>
       </a:lvl6pPr>
-      <a:lvl7pPr marL="2971800" indent="-228600" algn="l" defTabSz="914400" rtl="0" eaLnBrk="1" latinLnBrk="0" hangingPunct="1">
+      <a:lvl7pPr marL="1828800" indent="-182880" algn="l" defTabSz="914400" rtl="0" eaLnBrk="1" latinLnBrk="0" hangingPunct="1">
         <a:spcBef>
           <a:spcPct val="20000"/>
         </a:spcBef>
-        <a:buFont typeface="Arial" pitchFamily="34" charset="0"/>
-        <a:buChar char="•"/>
-        <a:defRPr sz="2000" kern="1200">
+        <a:buClr>
+          <a:schemeClr val="accent2"/>
+        </a:buClr>
+        <a:buFont typeface="Wingdings" pitchFamily="2" charset="2"/>
+        <a:buChar char="§"/>
+        <a:defRPr sz="1200" kern="1200">
           <a:solidFill>
-            <a:schemeClr val="tx1"/>
+            <a:schemeClr val="tx2"/>
           </a:solidFill>
           <a:latin typeface="+mn-lt"/>
           <a:ea typeface="+mn-ea"/>
           <a:cs typeface="+mn-cs"/>
         </a:defRPr>
       </a:lvl7pPr>
-      <a:lvl8pPr marL="3429000" indent="-228600" algn="l" defTabSz="914400" rtl="0" eaLnBrk="1" latinLnBrk="0" hangingPunct="1">
+      <a:lvl8pPr marL="2103120" indent="-182880" algn="l" defTabSz="914400" rtl="0" eaLnBrk="1" latinLnBrk="0" hangingPunct="1">
         <a:spcBef>
           <a:spcPct val="20000"/>
         </a:spcBef>
-        <a:buFont typeface="Arial" pitchFamily="34" charset="0"/>
-        <a:buChar char="•"/>
-        <a:defRPr sz="2000" kern="1200">
+        <a:buClr>
+          <a:schemeClr val="accent3"/>
+        </a:buClr>
+        <a:buFont typeface="Wingdings" pitchFamily="2" charset="2"/>
+        <a:buChar char="§"/>
+        <a:defRPr sz="1200" kern="1200">
           <a:solidFill>
-            <a:schemeClr val="tx1"/>
+            <a:schemeClr val="tx2"/>
           </a:solidFill>
           <a:latin typeface="+mn-lt"/>
           <a:ea typeface="+mn-ea"/>
           <a:cs typeface="+mn-cs"/>
         </a:defRPr>
       </a:lvl8pPr>
-      <a:lvl9pPr marL="3886200" indent="-228600" algn="l" defTabSz="914400" rtl="0" eaLnBrk="1" latinLnBrk="0" hangingPunct="1">
+      <a:lvl9pPr marL="2377440" indent="-182880" algn="l" defTabSz="914400" rtl="0" eaLnBrk="1" latinLnBrk="0" hangingPunct="1">
         <a:spcBef>
           <a:spcPct val="20000"/>
         </a:spcBef>
-        <a:buFont typeface="Arial" pitchFamily="34" charset="0"/>
-        <a:buChar char="•"/>
-        <a:defRPr sz="2000" kern="1200">
+        <a:buClr>
+          <a:schemeClr val="accent5"/>
+        </a:buClr>
+        <a:buFont typeface="Wingdings" pitchFamily="2" charset="2"/>
+        <a:buChar char="§"/>
+        <a:defRPr sz="1200" kern="1200">
           <a:solidFill>
-            <a:schemeClr val="tx1"/>
+            <a:schemeClr val="tx2"/>
           </a:solidFill>
           <a:latin typeface="+mn-lt"/>
           <a:ea typeface="+mn-ea"/>
@@ -3107,12 +3959,38 @@
       </p:grpSpPr>
       <p:sp>
         <p:nvSpPr>
+          <p:cNvPr id="3" name="Subtitle 2"/>
+          <p:cNvSpPr>
+            <a:spLocks noGrp="1"/>
+          </p:cNvSpPr>
+          <p:nvPr>
+            <p:ph type="subTitle" idx="1"/>
+          </p:nvPr>
+        </p:nvSpPr>
+        <p:spPr/>
+        <p:txBody>
+          <a:bodyPr>
+            <a:normAutofit/>
+          </a:bodyPr>
+          <a:lstStyle/>
+          <a:p>
+            <a:pPr algn="r"/>
+            <a:r>
+              <a:rPr lang="en-US" dirty="0" smtClean="0"/>
+              <a:t>A modest application to enter new stores for Uvalde and Temple.</a:t>
+            </a:r>
+            <a:endParaRPr lang="en-US" dirty="0"/>
+          </a:p>
+        </p:txBody>
+      </p:sp>
+      <p:sp>
+        <p:nvSpPr>
           <p:cNvPr id="2" name="Title 1"/>
           <p:cNvSpPr>
             <a:spLocks noGrp="1"/>
           </p:cNvSpPr>
           <p:nvPr>
-            <p:ph type="ctrTitle"/>
+            <p:ph type="title"/>
           </p:nvPr>
         </p:nvSpPr>
         <p:spPr/>
@@ -3123,29 +4001,6 @@
             <a:r>
               <a:rPr lang="en-US" dirty="0" smtClean="0"/>
               <a:t>Quick Store</a:t>
-            </a:r>
-            <a:endParaRPr lang="en-US" dirty="0"/>
-          </a:p>
-        </p:txBody>
-      </p:sp>
-      <p:sp>
-        <p:nvSpPr>
-          <p:cNvPr id="3" name="Subtitle 2"/>
-          <p:cNvSpPr>
-            <a:spLocks noGrp="1"/>
-          </p:cNvSpPr>
-          <p:nvPr>
-            <p:ph type="subTitle" idx="1"/>
-          </p:nvPr>
-        </p:nvSpPr>
-        <p:spPr/>
-        <p:txBody>
-          <a:bodyPr/>
-          <a:lstStyle/>
-          <a:p>
-            <a:r>
-              <a:rPr lang="en-US" dirty="0" smtClean="0"/>
-              <a:t>A modest application to enter new stores for Uvalde and Temple.</a:t>
             </a:r>
             <a:endParaRPr lang="en-US" dirty="0"/>
           </a:p>
@@ -3161,6 +4016,18 @@
   <p:clrMapOvr>
     <a:masterClrMapping/>
   </p:clrMapOvr>
+  <mc:AlternateContent xmlns:mc="http://schemas.openxmlformats.org/markup-compatibility/2006">
+    <mc:Choice xmlns:p14="http://schemas.microsoft.com/office/powerpoint/2010/main" Requires="p14">
+      <p:transition spd="med">
+        <p14:conveyor dir="l"/>
+      </p:transition>
+    </mc:Choice>
+    <mc:Fallback>
+      <p:transition spd="med">
+        <p:fade/>
+      </p:transition>
+    </mc:Fallback>
+  </mc:AlternateContent>
   <p:timing>
     <p:tnLst>
       <p:par>
@@ -3190,35 +4057,12 @@
       </p:grpSpPr>
       <p:sp>
         <p:nvSpPr>
-          <p:cNvPr id="2" name="Title 1"/>
+          <p:cNvPr id="5" name="Title 4"/>
           <p:cNvSpPr>
             <a:spLocks noGrp="1"/>
           </p:cNvSpPr>
           <p:nvPr>
             <p:ph type="title"/>
-          </p:nvPr>
-        </p:nvSpPr>
-        <p:spPr/>
-        <p:txBody>
-          <a:bodyPr/>
-          <a:lstStyle/>
-          <a:p>
-            <a:r>
-              <a:rPr lang="en-US" dirty="0" smtClean="0"/>
-              <a:t>TD Number Not Given in CSV</a:t>
-            </a:r>
-            <a:endParaRPr lang="en-US" dirty="0"/>
-          </a:p>
-        </p:txBody>
-      </p:sp>
-      <p:sp>
-        <p:nvSpPr>
-          <p:cNvPr id="4" name="Content Placeholder 3"/>
-          <p:cNvSpPr>
-            <a:spLocks noGrp="1"/>
-          </p:cNvSpPr>
-          <p:nvPr>
-            <p:ph sz="half" idx="1"/>
           </p:nvPr>
         </p:nvSpPr>
         <p:spPr/>
@@ -3230,13 +4074,11 @@
           <a:p>
             <a:r>
               <a:rPr lang="en-US" dirty="0" smtClean="0"/>
-              <a:t>For some Customer Groups, the TD Number is not present in the CSV.</a:t>
-            </a:r>
-          </a:p>
-          <a:p>
+              <a:t>Preparation is </a:t>
+            </a:r>
             <a:r>
               <a:rPr lang="en-US" dirty="0" smtClean="0"/>
-              <a:t>Quick Store will ask for the number when appropriate, either before entry (i.e. JOTS) or after (i.e. TMX).</a:t>
+              <a:t>Key, pt. 2</a:t>
             </a:r>
             <a:endParaRPr lang="en-US" dirty="0"/>
           </a:p>
@@ -3244,13 +4086,11 @@
       </p:sp>
       <p:pic>
         <p:nvPicPr>
-          <p:cNvPr id="6" name="Content Placeholder 5"/>
+          <p:cNvPr id="6" name="Picture 5"/>
           <p:cNvPicPr>
-            <a:picLocks noGrp="1" noChangeAspect="1"/>
+            <a:picLocks noChangeAspect="1"/>
           </p:cNvPicPr>
-          <p:nvPr>
-            <p:ph sz="half" idx="2"/>
-          </p:nvPr>
+          <p:nvPr/>
         </p:nvPicPr>
         <p:blipFill>
           <a:blip r:embed="rId2">
@@ -3266,21 +4106,122 @@
         </p:blipFill>
         <p:spPr>
           <a:xfrm>
-            <a:off x="4678447" y="1910517"/>
-            <a:ext cx="3951403" cy="3013299"/>
-          </a:xfrm>
+            <a:off x="266700" y="1732937"/>
+            <a:ext cx="8610600" cy="4100945"/>
+          </a:xfrm>
+          <a:prstGeom prst="rect">
+            <a:avLst/>
+          </a:prstGeom>
         </p:spPr>
       </p:pic>
+      <p:sp>
+        <p:nvSpPr>
+          <p:cNvPr id="2" name="TextBox 1"/>
+          <p:cNvSpPr txBox="1"/>
+          <p:nvPr/>
+        </p:nvSpPr>
+        <p:spPr>
+          <a:xfrm>
+            <a:off x="1714500" y="1271272"/>
+            <a:ext cx="2857500" cy="923330"/>
+          </a:xfrm>
+          <a:prstGeom prst="rect">
+            <a:avLst/>
+          </a:prstGeom>
+        </p:spPr>
+        <p:style>
+          <a:lnRef idx="2">
+            <a:schemeClr val="dk1"/>
+          </a:lnRef>
+          <a:fillRef idx="1">
+            <a:schemeClr val="lt1"/>
+          </a:fillRef>
+          <a:effectRef idx="0">
+            <a:schemeClr val="dk1"/>
+          </a:effectRef>
+          <a:fontRef idx="minor">
+            <a:schemeClr val="dk1"/>
+          </a:fontRef>
+        </p:style>
+        <p:txBody>
+          <a:bodyPr wrap="square" rtlCol="0">
+            <a:spAutoFit/>
+          </a:bodyPr>
+          <a:lstStyle/>
+          <a:p>
+            <a:r>
+              <a:rPr lang="en-US" dirty="0" smtClean="0"/>
+              <a:t>Hold tight, and Quick Store will fill out all the fields in the form from your CSV.</a:t>
+            </a:r>
+            <a:endParaRPr lang="en-US" dirty="0"/>
+          </a:p>
+        </p:txBody>
+      </p:sp>
+      <p:sp>
+        <p:nvSpPr>
+          <p:cNvPr id="7" name="TextBox 6"/>
+          <p:cNvSpPr txBox="1"/>
+          <p:nvPr/>
+        </p:nvSpPr>
+        <p:spPr>
+          <a:xfrm>
+            <a:off x="1219200" y="2819400"/>
+            <a:ext cx="2857500" cy="923330"/>
+          </a:xfrm>
+          <a:prstGeom prst="rect">
+            <a:avLst/>
+          </a:prstGeom>
+        </p:spPr>
+        <p:style>
+          <a:lnRef idx="2">
+            <a:schemeClr val="dk1"/>
+          </a:lnRef>
+          <a:fillRef idx="1">
+            <a:schemeClr val="lt1"/>
+          </a:fillRef>
+          <a:effectRef idx="0">
+            <a:schemeClr val="dk1"/>
+          </a:effectRef>
+          <a:fontRef idx="minor">
+            <a:schemeClr val="dk1"/>
+          </a:fontRef>
+        </p:style>
+        <p:txBody>
+          <a:bodyPr wrap="square" rtlCol="0">
+            <a:spAutoFit/>
+          </a:bodyPr>
+          <a:lstStyle/>
+          <a:p>
+            <a:r>
+              <a:rPr lang="en-US" dirty="0" smtClean="0"/>
+              <a:t>Quick Store will also search for the Chain so you don’t have to. </a:t>
+            </a:r>
+            <a:endParaRPr lang="en-US" dirty="0"/>
+          </a:p>
+        </p:txBody>
+      </p:sp>
     </p:spTree>
     <p:extLst>
       <p:ext uri="{BB962C8B-B14F-4D97-AF65-F5344CB8AC3E}">
-        <p14:creationId xmlns:p14="http://schemas.microsoft.com/office/powerpoint/2010/main" val="4278426870"/>
+        <p14:creationId xmlns:p14="http://schemas.microsoft.com/office/powerpoint/2010/main" val="2346140303"/>
       </p:ext>
     </p:extLst>
   </p:cSld>
   <p:clrMapOvr>
     <a:masterClrMapping/>
   </p:clrMapOvr>
+  <mc:AlternateContent xmlns:mc="http://schemas.openxmlformats.org/markup-compatibility/2006">
+    <mc:Choice xmlns:p14="http://schemas.microsoft.com/office/powerpoint/2010/main" Requires="p14">
+      <p:transition spd="med">
+        <p14:conveyor dir="l"/>
+      </p:transition>
+    </mc:Choice>
+    <mc:Fallback>
+      <p:transition spd="med">
+        <p:fade/>
+      </p:transition>
+    </mc:Fallback>
+  </mc:AlternateContent>
   <p:timing>
     <p:tnLst>
       <p:par>
@@ -3310,29 +4251,6 @@
       </p:grpSpPr>
       <p:sp>
         <p:nvSpPr>
-          <p:cNvPr id="2" name="Title 1"/>
-          <p:cNvSpPr>
-            <a:spLocks noGrp="1"/>
-          </p:cNvSpPr>
-          <p:nvPr>
-            <p:ph type="title"/>
-          </p:nvPr>
-        </p:nvSpPr>
-        <p:spPr/>
-        <p:txBody>
-          <a:bodyPr/>
-          <a:lstStyle/>
-          <a:p>
-            <a:r>
-              <a:rPr lang="en-US" dirty="0" smtClean="0"/>
-              <a:t>Finishing</a:t>
-            </a:r>
-            <a:endParaRPr lang="en-US" dirty="0"/>
-          </a:p>
-        </p:txBody>
-      </p:sp>
-      <p:sp>
-        <p:nvSpPr>
           <p:cNvPr id="4" name="Content Placeholder 3"/>
           <p:cNvSpPr>
             <a:spLocks noGrp="1"/>
@@ -3350,13 +4268,40 @@
           <a:p>
             <a:r>
               <a:rPr lang="en-US" dirty="0" smtClean="0"/>
-              <a:t>When finished adding all the stores, or the process stopped, Quick Store will add a SQL query to your clipboard to show all the stores added.</a:t>
-            </a:r>
-          </a:p>
-          <a:p>
+              <a:t>For </a:t>
+            </a:r>
             <a:r>
               <a:rPr lang="en-US" dirty="0" smtClean="0"/>
-              <a:t>Stores will also appear in the console textbox. </a:t>
+              <a:t>PWS, if a Chain ID is </a:t>
+            </a:r>
+            <a:r>
+              <a:rPr lang="en-US" dirty="0" smtClean="0"/>
+              <a:t>given, an input window will add a query to your clipboard to lookup the corresponding Chain Name</a:t>
+            </a:r>
+            <a:endParaRPr lang="en-US" dirty="0"/>
+          </a:p>
+        </p:txBody>
+      </p:sp>
+      <p:sp>
+        <p:nvSpPr>
+          <p:cNvPr id="2" name="Title 1"/>
+          <p:cNvSpPr>
+            <a:spLocks noGrp="1"/>
+          </p:cNvSpPr>
+          <p:nvPr>
+            <p:ph type="title"/>
+          </p:nvPr>
+        </p:nvSpPr>
+        <p:spPr/>
+        <p:txBody>
+          <a:bodyPr>
+            <a:normAutofit/>
+          </a:bodyPr>
+          <a:lstStyle/>
+          <a:p>
+            <a:r>
+              <a:rPr lang="en-US" dirty="0" smtClean="0"/>
+              <a:t>Chain LOOKUP</a:t>
             </a:r>
             <a:endParaRPr lang="en-US" dirty="0"/>
           </a:p>
@@ -3364,7 +4309,7 @@
       </p:sp>
       <p:pic>
         <p:nvPicPr>
-          <p:cNvPr id="6" name="Content Placeholder 5"/>
+          <p:cNvPr id="5" name="Content Placeholder 4"/>
           <p:cNvPicPr>
             <a:picLocks noGrp="1" noChangeAspect="1"/>
           </p:cNvPicPr>
@@ -3386,11 +4331,293 @@
         </p:blipFill>
         <p:spPr>
           <a:xfrm>
-            <a:off x="4678447" y="2348746"/>
-            <a:ext cx="3951403" cy="2136840"/>
+            <a:off x="4648200" y="2654393"/>
+            <a:ext cx="4038600" cy="2536640"/>
           </a:xfrm>
         </p:spPr>
       </p:pic>
+    </p:spTree>
+    <p:extLst>
+      <p:ext uri="{BB962C8B-B14F-4D97-AF65-F5344CB8AC3E}">
+        <p14:creationId xmlns:p14="http://schemas.microsoft.com/office/powerpoint/2010/main" val="2999038240"/>
+      </p:ext>
+    </p:extLst>
+  </p:cSld>
+  <p:clrMapOvr>
+    <a:masterClrMapping/>
+  </p:clrMapOvr>
+  <mc:AlternateContent xmlns:mc="http://schemas.openxmlformats.org/markup-compatibility/2006">
+    <mc:Choice xmlns:p14="http://schemas.microsoft.com/office/powerpoint/2010/main" Requires="p14">
+      <p:transition spd="med">
+        <p14:conveyor dir="l"/>
+      </p:transition>
+    </mc:Choice>
+    <mc:Fallback>
+      <p:transition spd="med">
+        <p:fade/>
+      </p:transition>
+    </mc:Fallback>
+  </mc:AlternateContent>
+  <p:timing>
+    <p:tnLst>
+      <p:par>
+        <p:cTn id="1" dur="indefinite" restart="never" nodeType="tmRoot"/>
+      </p:par>
+    </p:tnLst>
+  </p:timing>
+</p:sld>
+</file>
+
+<file path=ppt/slides/slide12.xml><?xml version="1.0" encoding="utf-8"?>
+<p:sld xmlns:a="http://schemas.openxmlformats.org/drawingml/2006/main" xmlns:r="http://schemas.openxmlformats.org/officeDocument/2006/relationships" xmlns:p="http://schemas.openxmlformats.org/presentationml/2006/main">
+  <p:cSld>
+    <p:spTree>
+      <p:nvGrpSpPr>
+        <p:cNvPr id="1" name=""/>
+        <p:cNvGrpSpPr/>
+        <p:nvPr/>
+      </p:nvGrpSpPr>
+      <p:grpSpPr>
+        <a:xfrm>
+          <a:off x="0" y="0"/>
+          <a:ext cx="0" cy="0"/>
+          <a:chOff x="0" y="0"/>
+          <a:chExt cx="0" cy="0"/>
+        </a:xfrm>
+      </p:grpSpPr>
+      <p:sp>
+        <p:nvSpPr>
+          <p:cNvPr id="4" name="Content Placeholder 3"/>
+          <p:cNvSpPr>
+            <a:spLocks noGrp="1"/>
+          </p:cNvSpPr>
+          <p:nvPr>
+            <p:ph sz="half" idx="1"/>
+          </p:nvPr>
+        </p:nvSpPr>
+        <p:spPr/>
+        <p:txBody>
+          <a:bodyPr>
+            <a:normAutofit lnSpcReduction="10000"/>
+          </a:bodyPr>
+          <a:lstStyle/>
+          <a:p>
+            <a:r>
+              <a:rPr lang="en-US" dirty="0" smtClean="0"/>
+              <a:t>For some Customer Groups, the TD Number is not present in the CSV.</a:t>
+            </a:r>
+          </a:p>
+          <a:p>
+            <a:r>
+              <a:rPr lang="en-US" dirty="0" smtClean="0"/>
+              <a:t>Quick Store will ask for the number when appropriate, either before entry (i.e. JOTS) or after </a:t>
+            </a:r>
+            <a:r>
+              <a:rPr lang="en-US" dirty="0" smtClean="0"/>
+              <a:t>saving </a:t>
+            </a:r>
+            <a:r>
+              <a:rPr lang="en-US" dirty="0" smtClean="0"/>
+              <a:t>(i.e</a:t>
+            </a:r>
+            <a:r>
+              <a:rPr lang="en-US" dirty="0" smtClean="0"/>
+              <a:t>. </a:t>
+            </a:r>
+            <a:r>
+              <a:rPr lang="en-US" dirty="0" smtClean="0"/>
+              <a:t>TMX, PWS).</a:t>
+            </a:r>
+            <a:endParaRPr lang="en-US" dirty="0"/>
+          </a:p>
+        </p:txBody>
+      </p:sp>
+      <p:pic>
+        <p:nvPicPr>
+          <p:cNvPr id="6" name="Content Placeholder 5"/>
+          <p:cNvPicPr>
+            <a:picLocks noGrp="1" noChangeAspect="1"/>
+          </p:cNvPicPr>
+          <p:nvPr>
+            <p:ph sz="half" idx="2"/>
+          </p:nvPr>
+        </p:nvPicPr>
+        <p:blipFill>
+          <a:blip r:embed="rId2">
+            <a:extLst>
+              <a:ext uri="{28A0092B-C50C-407E-A947-70E740481C1C}">
+                <a14:useLocalDpi xmlns:a14="http://schemas.microsoft.com/office/drawing/2010/main" val="0"/>
+              </a:ext>
+            </a:extLst>
+          </a:blip>
+          <a:stretch>
+            <a:fillRect/>
+          </a:stretch>
+        </p:blipFill>
+        <p:spPr>
+          <a:xfrm>
+            <a:off x="4681260" y="2408026"/>
+            <a:ext cx="3972480" cy="3029373"/>
+          </a:xfrm>
+        </p:spPr>
+      </p:pic>
+      <p:sp>
+        <p:nvSpPr>
+          <p:cNvPr id="2" name="Title 1"/>
+          <p:cNvSpPr>
+            <a:spLocks noGrp="1"/>
+          </p:cNvSpPr>
+          <p:nvPr>
+            <p:ph type="title"/>
+          </p:nvPr>
+        </p:nvSpPr>
+        <p:spPr/>
+        <p:txBody>
+          <a:bodyPr>
+            <a:normAutofit/>
+          </a:bodyPr>
+          <a:lstStyle/>
+          <a:p>
+            <a:r>
+              <a:rPr lang="en-US" dirty="0" smtClean="0"/>
+              <a:t>TD Number Not Given in CSV</a:t>
+            </a:r>
+            <a:endParaRPr lang="en-US" dirty="0"/>
+          </a:p>
+        </p:txBody>
+      </p:sp>
+    </p:spTree>
+    <p:extLst>
+      <p:ext uri="{BB962C8B-B14F-4D97-AF65-F5344CB8AC3E}">
+        <p14:creationId xmlns:p14="http://schemas.microsoft.com/office/powerpoint/2010/main" val="4278426870"/>
+      </p:ext>
+    </p:extLst>
+  </p:cSld>
+  <p:clrMapOvr>
+    <a:masterClrMapping/>
+  </p:clrMapOvr>
+  <mc:AlternateContent xmlns:mc="http://schemas.openxmlformats.org/markup-compatibility/2006">
+    <mc:Choice xmlns:p14="http://schemas.microsoft.com/office/powerpoint/2010/main" Requires="p14">
+      <p:transition spd="med">
+        <p14:conveyor dir="l"/>
+      </p:transition>
+    </mc:Choice>
+    <mc:Fallback>
+      <p:transition spd="med">
+        <p:fade/>
+      </p:transition>
+    </mc:Fallback>
+  </mc:AlternateContent>
+  <p:timing>
+    <p:tnLst>
+      <p:par>
+        <p:cTn id="1" dur="indefinite" restart="never" nodeType="tmRoot"/>
+      </p:par>
+    </p:tnLst>
+  </p:timing>
+</p:sld>
+</file>
+
+<file path=ppt/slides/slide13.xml><?xml version="1.0" encoding="utf-8"?>
+<p:sld xmlns:a="http://schemas.openxmlformats.org/drawingml/2006/main" xmlns:r="http://schemas.openxmlformats.org/officeDocument/2006/relationships" xmlns:p="http://schemas.openxmlformats.org/presentationml/2006/main">
+  <p:cSld>
+    <p:spTree>
+      <p:nvGrpSpPr>
+        <p:cNvPr id="1" name=""/>
+        <p:cNvGrpSpPr/>
+        <p:nvPr/>
+      </p:nvGrpSpPr>
+      <p:grpSpPr>
+        <a:xfrm>
+          <a:off x="0" y="0"/>
+          <a:ext cx="0" cy="0"/>
+          <a:chOff x="0" y="0"/>
+          <a:chExt cx="0" cy="0"/>
+        </a:xfrm>
+      </p:grpSpPr>
+      <p:sp>
+        <p:nvSpPr>
+          <p:cNvPr id="4" name="Content Placeholder 3"/>
+          <p:cNvSpPr>
+            <a:spLocks noGrp="1"/>
+          </p:cNvSpPr>
+          <p:nvPr>
+            <p:ph sz="half" idx="1"/>
+          </p:nvPr>
+        </p:nvSpPr>
+        <p:spPr/>
+        <p:txBody>
+          <a:bodyPr>
+            <a:normAutofit lnSpcReduction="10000"/>
+          </a:bodyPr>
+          <a:lstStyle/>
+          <a:p>
+            <a:r>
+              <a:rPr lang="en-US" dirty="0" smtClean="0"/>
+              <a:t>When finished adding all the stores, or the process stopped, Quick Store will add a SQL query to your clipboard to show all the stores added.</a:t>
+            </a:r>
+          </a:p>
+          <a:p>
+            <a:r>
+              <a:rPr lang="en-US" dirty="0" smtClean="0"/>
+              <a:t>Stores will also appear in the console textbox. </a:t>
+            </a:r>
+            <a:endParaRPr lang="en-US" dirty="0"/>
+          </a:p>
+        </p:txBody>
+      </p:sp>
+      <p:pic>
+        <p:nvPicPr>
+          <p:cNvPr id="6" name="Content Placeholder 5"/>
+          <p:cNvPicPr>
+            <a:picLocks noGrp="1" noChangeAspect="1"/>
+          </p:cNvPicPr>
+          <p:nvPr>
+            <p:ph sz="half" idx="2"/>
+          </p:nvPr>
+        </p:nvPicPr>
+        <p:blipFill>
+          <a:blip r:embed="rId2">
+            <a:extLst>
+              <a:ext uri="{28A0092B-C50C-407E-A947-70E740481C1C}">
+                <a14:useLocalDpi xmlns:a14="http://schemas.microsoft.com/office/drawing/2010/main" val="0"/>
+              </a:ext>
+            </a:extLst>
+          </a:blip>
+          <a:stretch>
+            <a:fillRect/>
+          </a:stretch>
+        </p:blipFill>
+        <p:spPr>
+          <a:xfrm>
+            <a:off x="4648200" y="2830716"/>
+            <a:ext cx="4038600" cy="2183994"/>
+          </a:xfrm>
+        </p:spPr>
+      </p:pic>
+      <p:sp>
+        <p:nvSpPr>
+          <p:cNvPr id="2" name="Title 1"/>
+          <p:cNvSpPr>
+            <a:spLocks noGrp="1"/>
+          </p:cNvSpPr>
+          <p:nvPr>
+            <p:ph type="title"/>
+          </p:nvPr>
+        </p:nvSpPr>
+        <p:spPr/>
+        <p:txBody>
+          <a:bodyPr/>
+          <a:lstStyle/>
+          <a:p>
+            <a:r>
+              <a:rPr lang="en-US" dirty="0" smtClean="0"/>
+              <a:t>Finishing</a:t>
+            </a:r>
+            <a:endParaRPr lang="en-US" dirty="0"/>
+          </a:p>
+        </p:txBody>
+      </p:sp>
     </p:spTree>
     <p:extLst>
       <p:ext uri="{BB962C8B-B14F-4D97-AF65-F5344CB8AC3E}">
@@ -3401,6 +4628,18 @@
   <p:clrMapOvr>
     <a:masterClrMapping/>
   </p:clrMapOvr>
+  <mc:AlternateContent xmlns:mc="http://schemas.openxmlformats.org/markup-compatibility/2006">
+    <mc:Choice xmlns:p14="http://schemas.microsoft.com/office/powerpoint/2010/main" Requires="p14">
+      <p:transition spd="med">
+        <p14:conveyor dir="l"/>
+      </p:transition>
+    </mc:Choice>
+    <mc:Fallback>
+      <p:transition spd="med">
+        <p:fade/>
+      </p:transition>
+    </mc:Fallback>
+  </mc:AlternateContent>
   <p:timing>
     <p:tnLst>
       <p:par>
@@ -4138,6 +5377,18 @@
   <p:clrMapOvr>
     <a:masterClrMapping/>
   </p:clrMapOvr>
+  <mc:AlternateContent xmlns:mc="http://schemas.openxmlformats.org/markup-compatibility/2006">
+    <mc:Choice xmlns:p14="http://schemas.microsoft.com/office/powerpoint/2010/main" Requires="p14">
+      <p:transition spd="med">
+        <p14:conveyor dir="l"/>
+      </p:transition>
+    </mc:Choice>
+    <mc:Fallback>
+      <p:transition spd="med">
+        <p:fade/>
+      </p:transition>
+    </mc:Fallback>
+  </mc:AlternateContent>
   <p:timing>
     <p:tnLst>
       <p:par>
@@ -4167,45 +5418,62 @@
       </p:grpSpPr>
       <p:sp>
         <p:nvSpPr>
-          <p:cNvPr id="2" name="Title 1"/>
-          <p:cNvSpPr>
-            <a:spLocks noGrp="1"/>
-          </p:cNvSpPr>
-          <p:nvPr>
-            <p:ph type="title"/>
+          <p:cNvPr id="4" name="Content Placeholder 3"/>
+          <p:cNvSpPr>
+            <a:spLocks noGrp="1"/>
+          </p:cNvSpPr>
+          <p:nvPr>
+            <p:ph sz="half" idx="1"/>
           </p:nvPr>
         </p:nvSpPr>
         <p:spPr/>
         <p:txBody>
-          <a:bodyPr/>
+          <a:bodyPr>
+            <a:normAutofit/>
+          </a:bodyPr>
           <a:lstStyle/>
           <a:p>
             <a:r>
               <a:rPr lang="en-US" dirty="0" smtClean="0"/>
-              <a:t>Customer Group Select</a:t>
-            </a:r>
-            <a:endParaRPr lang="en-US" dirty="0"/>
-          </a:p>
-        </p:txBody>
-      </p:sp>
-      <p:sp>
-        <p:nvSpPr>
-          <p:cNvPr id="4" name="Content Placeholder 3"/>
-          <p:cNvSpPr>
-            <a:spLocks noGrp="1"/>
-          </p:cNvSpPr>
-          <p:nvPr>
-            <p:ph sz="half" idx="1"/>
-          </p:nvPr>
-        </p:nvSpPr>
-        <p:spPr/>
-        <p:txBody>
-          <a:bodyPr/>
-          <a:lstStyle/>
-          <a:p>
+              <a:t>To Begin, Select a Customer Group from the Drop-Down </a:t>
+            </a:r>
             <a:r>
               <a:rPr lang="en-US" dirty="0" smtClean="0"/>
-              <a:t>To Begin, Select a Customer Group from the Drop-Down Menu</a:t>
+              <a:t>Menu</a:t>
+            </a:r>
+          </a:p>
+          <a:p>
+            <a:r>
+              <a:rPr lang="en-US" dirty="0" smtClean="0"/>
+              <a:t>Currently Supported:</a:t>
+            </a:r>
+          </a:p>
+          <a:p>
+            <a:pPr lvl="1"/>
+            <a:r>
+              <a:rPr lang="en-US" dirty="0"/>
+              <a:t>ConAgra Foods</a:t>
+            </a:r>
+          </a:p>
+          <a:p>
+            <a:pPr lvl="1"/>
+            <a:r>
+              <a:rPr lang="en-US" dirty="0"/>
+              <a:t>Farmer John</a:t>
+            </a:r>
+          </a:p>
+          <a:p>
+            <a:pPr lvl="1"/>
+            <a:r>
+              <a:rPr lang="en-US" dirty="0"/>
+              <a:t>Jennie-O Turkey Store</a:t>
+            </a:r>
+          </a:p>
+          <a:p>
+            <a:pPr lvl="1"/>
+            <a:r>
+              <a:rPr lang="en-US" dirty="0" smtClean="0"/>
+              <a:t>Timex</a:t>
             </a:r>
             <a:endParaRPr lang="en-US" dirty="0"/>
           </a:p>
@@ -4235,11 +5503,36 @@
         </p:blipFill>
         <p:spPr>
           <a:xfrm>
-            <a:off x="5181600" y="1905000"/>
-            <a:ext cx="3448250" cy="3448250"/>
+            <a:off x="5238550" y="2493763"/>
+            <a:ext cx="2857899" cy="2857899"/>
           </a:xfrm>
         </p:spPr>
       </p:pic>
+      <p:sp>
+        <p:nvSpPr>
+          <p:cNvPr id="2" name="Title 1"/>
+          <p:cNvSpPr>
+            <a:spLocks noGrp="1"/>
+          </p:cNvSpPr>
+          <p:nvPr>
+            <p:ph type="title"/>
+          </p:nvPr>
+        </p:nvSpPr>
+        <p:spPr/>
+        <p:txBody>
+          <a:bodyPr>
+            <a:normAutofit/>
+          </a:bodyPr>
+          <a:lstStyle/>
+          <a:p>
+            <a:r>
+              <a:rPr lang="en-US" dirty="0" smtClean="0"/>
+              <a:t>Customer Group Select</a:t>
+            </a:r>
+            <a:endParaRPr lang="en-US" dirty="0"/>
+          </a:p>
+        </p:txBody>
+      </p:sp>
     </p:spTree>
     <p:extLst>
       <p:ext uri="{BB962C8B-B14F-4D97-AF65-F5344CB8AC3E}">
@@ -4250,6 +5543,18 @@
   <p:clrMapOvr>
     <a:masterClrMapping/>
   </p:clrMapOvr>
+  <mc:AlternateContent xmlns:mc="http://schemas.openxmlformats.org/markup-compatibility/2006">
+    <mc:Choice xmlns:p14="http://schemas.microsoft.com/office/powerpoint/2010/main" Requires="p14">
+      <p:transition spd="med">
+        <p14:conveyor dir="l"/>
+      </p:transition>
+    </mc:Choice>
+    <mc:Fallback>
+      <p:transition spd="med">
+        <p:fade/>
+      </p:transition>
+    </mc:Fallback>
+  </mc:AlternateContent>
   <p:timing>
     <p:tnLst>
       <p:par>
@@ -4279,40 +5584,19 @@
       </p:grpSpPr>
       <p:sp>
         <p:nvSpPr>
-          <p:cNvPr id="2" name="Title 1"/>
-          <p:cNvSpPr>
-            <a:spLocks noGrp="1"/>
-          </p:cNvSpPr>
-          <p:nvPr>
-            <p:ph type="title"/>
+          <p:cNvPr id="4" name="Content Placeholder 3"/>
+          <p:cNvSpPr>
+            <a:spLocks noGrp="1"/>
+          </p:cNvSpPr>
+          <p:nvPr>
+            <p:ph sz="half" idx="1"/>
           </p:nvPr>
         </p:nvSpPr>
         <p:spPr/>
         <p:txBody>
-          <a:bodyPr/>
-          <a:lstStyle/>
-          <a:p>
-            <a:r>
-              <a:rPr lang="en-US" dirty="0" smtClean="0"/>
-              <a:t>Open the CSV File</a:t>
-            </a:r>
-            <a:endParaRPr lang="en-US" dirty="0"/>
-          </a:p>
-        </p:txBody>
-      </p:sp>
-      <p:sp>
-        <p:nvSpPr>
-          <p:cNvPr id="4" name="Content Placeholder 3"/>
-          <p:cNvSpPr>
-            <a:spLocks noGrp="1"/>
-          </p:cNvSpPr>
-          <p:nvPr>
-            <p:ph sz="half" idx="1"/>
-          </p:nvPr>
-        </p:nvSpPr>
-        <p:spPr/>
-        <p:txBody>
-          <a:bodyPr/>
+          <a:bodyPr>
+            <a:normAutofit lnSpcReduction="10000"/>
+          </a:bodyPr>
           <a:lstStyle/>
           <a:p>
             <a:r>
@@ -4323,15 +5607,7 @@
           <a:p>
             <a:r>
               <a:rPr lang="en-US" dirty="0" smtClean="0"/>
-              <a:t>To Convert a worksheet in Excel to CSV, File &gt; Save As, and choose “CSV (Comma delimited) (*.</a:t>
-            </a:r>
-            <a:r>
-              <a:rPr lang="en-US" dirty="0" err="1" smtClean="0"/>
-              <a:t>csv</a:t>
-            </a:r>
-            <a:r>
-              <a:rPr lang="en-US" dirty="0" smtClean="0"/>
-              <a:t>).”</a:t>
+              <a:t>To Convert a worksheet in Excel to CSV, File &gt; Save As, and choose “CSV (Comma delimited) (*.csv).”</a:t>
             </a:r>
             <a:endParaRPr lang="en-US" dirty="0"/>
           </a:p>
@@ -4361,11 +5637,34 @@
         </p:blipFill>
         <p:spPr>
           <a:xfrm>
-            <a:off x="5181600" y="1905000"/>
-            <a:ext cx="3448250" cy="3448250"/>
+            <a:off x="5238550" y="2493763"/>
+            <a:ext cx="2857899" cy="2857899"/>
           </a:xfrm>
         </p:spPr>
       </p:pic>
+      <p:sp>
+        <p:nvSpPr>
+          <p:cNvPr id="2" name="Title 1"/>
+          <p:cNvSpPr>
+            <a:spLocks noGrp="1"/>
+          </p:cNvSpPr>
+          <p:nvPr>
+            <p:ph type="title"/>
+          </p:nvPr>
+        </p:nvSpPr>
+        <p:spPr/>
+        <p:txBody>
+          <a:bodyPr/>
+          <a:lstStyle/>
+          <a:p>
+            <a:r>
+              <a:rPr lang="en-US" dirty="0" smtClean="0"/>
+              <a:t>Open the CSV File</a:t>
+            </a:r>
+            <a:endParaRPr lang="en-US" dirty="0"/>
+          </a:p>
+        </p:txBody>
+      </p:sp>
     </p:spTree>
     <p:extLst>
       <p:ext uri="{BB962C8B-B14F-4D97-AF65-F5344CB8AC3E}">
@@ -4376,6 +5675,18 @@
   <p:clrMapOvr>
     <a:masterClrMapping/>
   </p:clrMapOvr>
+  <mc:AlternateContent xmlns:mc="http://schemas.openxmlformats.org/markup-compatibility/2006">
+    <mc:Choice xmlns:p14="http://schemas.microsoft.com/office/powerpoint/2010/main" Requires="p14">
+      <p:transition spd="med">
+        <p14:conveyor dir="l"/>
+      </p:transition>
+    </mc:Choice>
+    <mc:Fallback>
+      <p:transition spd="med">
+        <p:fade/>
+      </p:transition>
+    </mc:Fallback>
+  </mc:AlternateContent>
   <p:timing>
     <p:tnLst>
       <p:par>
@@ -4420,36 +5731,11 @@
           <a:p>
             <a:r>
               <a:rPr lang="en-US" dirty="0" smtClean="0"/>
-              <a:t>Analyze the CSV File</a:t>
-            </a:r>
-            <a:endParaRPr lang="en-US" dirty="0"/>
-          </a:p>
-        </p:txBody>
-      </p:sp>
-      <p:sp>
-        <p:nvSpPr>
-          <p:cNvPr id="4" name="Content Placeholder 3"/>
-          <p:cNvSpPr>
-            <a:spLocks noGrp="1"/>
-          </p:cNvSpPr>
-          <p:nvPr>
-            <p:ph sz="half" idx="1"/>
-          </p:nvPr>
-        </p:nvSpPr>
-        <p:spPr/>
-        <p:txBody>
-          <a:bodyPr/>
-          <a:lstStyle/>
-          <a:p>
+              <a:t>Creating the CSV </a:t>
+            </a:r>
             <a:r>
               <a:rPr lang="en-US" dirty="0" smtClean="0"/>
-              <a:t>Upon opening the file, the Analyze button will enable. </a:t>
-            </a:r>
-          </a:p>
-          <a:p>
-            <a:r>
-              <a:rPr lang="en-US" dirty="0" smtClean="0"/>
-              <a:t>Clicking the Analyze button will read the CSV and show all the stores that will be created.</a:t>
+              <a:t>File</a:t>
             </a:r>
             <a:endParaRPr lang="en-US" dirty="0"/>
           </a:p>
@@ -4457,13 +5743,11 @@
       </p:sp>
       <p:pic>
         <p:nvPicPr>
-          <p:cNvPr id="6" name="Content Placeholder 5"/>
+          <p:cNvPr id="3" name="Picture 2"/>
           <p:cNvPicPr>
-            <a:picLocks noGrp="1" noChangeAspect="1"/>
+            <a:picLocks noChangeAspect="1"/>
           </p:cNvPicPr>
-          <p:nvPr>
-            <p:ph sz="half" idx="2"/>
-          </p:nvPr>
+          <p:nvPr/>
         </p:nvPicPr>
         <p:blipFill>
           <a:blip r:embed="rId2">
@@ -4479,21 +5763,109 @@
         </p:blipFill>
         <p:spPr>
           <a:xfrm>
-            <a:off x="5181600" y="1905000"/>
-            <a:ext cx="3448250" cy="3448250"/>
-          </a:xfrm>
+            <a:off x="859735" y="1903739"/>
+            <a:ext cx="7391400" cy="2629745"/>
+          </a:xfrm>
+          <a:prstGeom prst="rect">
+            <a:avLst/>
+          </a:prstGeom>
         </p:spPr>
       </p:pic>
+      <p:pic>
+        <p:nvPicPr>
+          <p:cNvPr id="7" name="Picture 6"/>
+          <p:cNvPicPr>
+            <a:picLocks noChangeAspect="1"/>
+          </p:cNvPicPr>
+          <p:nvPr/>
+        </p:nvPicPr>
+        <p:blipFill>
+          <a:blip r:embed="rId3">
+            <a:extLst>
+              <a:ext uri="{28A0092B-C50C-407E-A947-70E740481C1C}">
+                <a14:useLocalDpi xmlns:a14="http://schemas.microsoft.com/office/drawing/2010/main" val="0"/>
+              </a:ext>
+            </a:extLst>
+          </a:blip>
+          <a:stretch>
+            <a:fillRect/>
+          </a:stretch>
+        </p:blipFill>
+        <p:spPr>
+          <a:xfrm>
+            <a:off x="859735" y="5065623"/>
+            <a:ext cx="7391400" cy="998335"/>
+          </a:xfrm>
+          <a:prstGeom prst="rect">
+            <a:avLst/>
+          </a:prstGeom>
+        </p:spPr>
+      </p:pic>
+      <p:sp>
+        <p:nvSpPr>
+          <p:cNvPr id="5" name="TextBox 4"/>
+          <p:cNvSpPr txBox="1"/>
+          <p:nvPr/>
+        </p:nvSpPr>
+        <p:spPr>
+          <a:xfrm>
+            <a:off x="5029200" y="3646597"/>
+            <a:ext cx="3657599" cy="1200329"/>
+          </a:xfrm>
+          <a:prstGeom prst="rect">
+            <a:avLst/>
+          </a:prstGeom>
+        </p:spPr>
+        <p:style>
+          <a:lnRef idx="2">
+            <a:schemeClr val="dk1"/>
+          </a:lnRef>
+          <a:fillRef idx="1">
+            <a:schemeClr val="lt1"/>
+          </a:fillRef>
+          <a:effectRef idx="0">
+            <a:schemeClr val="dk1"/>
+          </a:effectRef>
+          <a:fontRef idx="minor">
+            <a:schemeClr val="dk1"/>
+          </a:fontRef>
+        </p:style>
+        <p:txBody>
+          <a:bodyPr wrap="square" rtlCol="0">
+            <a:spAutoFit/>
+          </a:bodyPr>
+          <a:lstStyle/>
+          <a:p>
+            <a:r>
+              <a:rPr lang="en-US" dirty="0" smtClean="0"/>
+              <a:t>If the column headers are not on Row 2 (above), copy and paste them in a new sheet (below), then save the page as a CSV.</a:t>
+            </a:r>
+            <a:endParaRPr lang="en-US" dirty="0"/>
+          </a:p>
+        </p:txBody>
+      </p:sp>
     </p:spTree>
     <p:extLst>
       <p:ext uri="{BB962C8B-B14F-4D97-AF65-F5344CB8AC3E}">
-        <p14:creationId xmlns:p14="http://schemas.microsoft.com/office/powerpoint/2010/main" val="1391251795"/>
+        <p14:creationId xmlns:p14="http://schemas.microsoft.com/office/powerpoint/2010/main" val="2035047468"/>
       </p:ext>
     </p:extLst>
   </p:cSld>
   <p:clrMapOvr>
     <a:masterClrMapping/>
   </p:clrMapOvr>
+  <mc:AlternateContent xmlns:mc="http://schemas.openxmlformats.org/markup-compatibility/2006">
+    <mc:Choice xmlns:p14="http://schemas.microsoft.com/office/powerpoint/2010/main" Requires="p14">
+      <p:transition spd="med">
+        <p14:conveyor dir="l"/>
+      </p:transition>
+    </mc:Choice>
+    <mc:Fallback>
+      <p:transition spd="med">
+        <p:fade/>
+      </p:transition>
+    </mc:Fallback>
+  </mc:AlternateContent>
   <p:timing>
     <p:tnLst>
       <p:par>
@@ -4523,6 +5895,39 @@
       </p:grpSpPr>
       <p:sp>
         <p:nvSpPr>
+          <p:cNvPr id="4" name="Content Placeholder 3"/>
+          <p:cNvSpPr>
+            <a:spLocks noGrp="1"/>
+          </p:cNvSpPr>
+          <p:nvPr>
+            <p:ph sz="half" idx="1"/>
+          </p:nvPr>
+        </p:nvSpPr>
+        <p:spPr>
+          <a:xfrm>
+            <a:off x="876300" y="1905000"/>
+            <a:ext cx="7391400" cy="762000"/>
+          </a:xfrm>
+        </p:spPr>
+        <p:txBody>
+          <a:bodyPr>
+            <a:normAutofit fontScale="92500" lnSpcReduction="20000"/>
+          </a:bodyPr>
+          <a:lstStyle/>
+          <a:p>
+            <a:pPr marL="0" indent="0">
+              <a:buNone/>
+            </a:pPr>
+            <a:r>
+              <a:rPr lang="en-US" dirty="0" smtClean="0"/>
+              <a:t>A successful CSV when opened in a word editor, like Notepad.</a:t>
+            </a:r>
+            <a:endParaRPr lang="en-US" dirty="0"/>
+          </a:p>
+        </p:txBody>
+      </p:sp>
+      <p:sp>
+        <p:nvSpPr>
           <p:cNvPr id="2" name="Title 1"/>
           <p:cNvSpPr>
             <a:spLocks noGrp="1"/>
@@ -4533,41 +5938,18 @@
         </p:nvSpPr>
         <p:spPr/>
         <p:txBody>
-          <a:bodyPr/>
+          <a:bodyPr>
+            <a:normAutofit/>
+          </a:bodyPr>
           <a:lstStyle/>
           <a:p>
             <a:r>
               <a:rPr lang="en-US" dirty="0" smtClean="0"/>
-              <a:t>Run Quick Store</a:t>
-            </a:r>
-            <a:endParaRPr lang="en-US" dirty="0"/>
-          </a:p>
-        </p:txBody>
-      </p:sp>
-      <p:sp>
-        <p:nvSpPr>
-          <p:cNvPr id="4" name="Content Placeholder 3"/>
-          <p:cNvSpPr>
-            <a:spLocks noGrp="1"/>
-          </p:cNvSpPr>
-          <p:nvPr>
-            <p:ph sz="half" idx="1"/>
-          </p:nvPr>
-        </p:nvSpPr>
-        <p:spPr/>
-        <p:txBody>
-          <a:bodyPr/>
-          <a:lstStyle/>
-          <a:p>
+              <a:t>Creating the CSV File, pt</a:t>
+            </a:r>
             <a:r>
               <a:rPr lang="en-US" dirty="0" smtClean="0"/>
-              <a:t>Click Run, this readies Quick Store to await your command.</a:t>
-            </a:r>
-          </a:p>
-          <a:p>
-            <a:r>
-              <a:rPr lang="en-US" dirty="0" smtClean="0"/>
-              <a:t>Quick Store will give you about a second to click Next (or press Enter on the keyboard) and then click the first place of data entry on the website.</a:t>
+              <a:t>. 2</a:t>
             </a:r>
             <a:endParaRPr lang="en-US" dirty="0"/>
           </a:p>
@@ -4575,13 +5957,11 @@
       </p:sp>
       <p:pic>
         <p:nvPicPr>
-          <p:cNvPr id="6" name="Content Placeholder 5"/>
+          <p:cNvPr id="3" name="Picture 2"/>
           <p:cNvPicPr>
-            <a:picLocks noGrp="1" noChangeAspect="1"/>
+            <a:picLocks noChangeAspect="1"/>
           </p:cNvPicPr>
-          <p:nvPr>
-            <p:ph sz="half" idx="2"/>
-          </p:nvPr>
+          <p:nvPr/>
         </p:nvPicPr>
         <p:blipFill>
           <a:blip r:embed="rId2">
@@ -4597,21 +5977,36 @@
         </p:blipFill>
         <p:spPr>
           <a:xfrm>
-            <a:off x="5181600" y="1905000"/>
-            <a:ext cx="3448250" cy="3448250"/>
-          </a:xfrm>
+            <a:off x="876300" y="3048000"/>
+            <a:ext cx="7391400" cy="1517945"/>
+          </a:xfrm>
+          <a:prstGeom prst="rect">
+            <a:avLst/>
+          </a:prstGeom>
         </p:spPr>
       </p:pic>
     </p:spTree>
     <p:extLst>
       <p:ext uri="{BB962C8B-B14F-4D97-AF65-F5344CB8AC3E}">
-        <p14:creationId xmlns:p14="http://schemas.microsoft.com/office/powerpoint/2010/main" val="1087979511"/>
+        <p14:creationId xmlns:p14="http://schemas.microsoft.com/office/powerpoint/2010/main" val="1319474192"/>
       </p:ext>
     </p:extLst>
   </p:cSld>
   <p:clrMapOvr>
     <a:masterClrMapping/>
   </p:clrMapOvr>
+  <mc:AlternateContent xmlns:mc="http://schemas.openxmlformats.org/markup-compatibility/2006">
+    <mc:Choice xmlns:p14="http://schemas.microsoft.com/office/powerpoint/2010/main" Requires="p14">
+      <p:transition spd="med">
+        <p14:conveyor dir="l"/>
+      </p:transition>
+    </mc:Choice>
+    <mc:Fallback>
+      <p:transition spd="med">
+        <p:fade/>
+      </p:transition>
+    </mc:Fallback>
+  </mc:AlternateContent>
   <p:timing>
     <p:tnLst>
       <p:par>
@@ -4641,22 +6036,30 @@
       </p:grpSpPr>
       <p:sp>
         <p:nvSpPr>
-          <p:cNvPr id="5" name="Title 4"/>
-          <p:cNvSpPr>
-            <a:spLocks noGrp="1"/>
-          </p:cNvSpPr>
-          <p:nvPr>
-            <p:ph type="title"/>
+          <p:cNvPr id="4" name="Content Placeholder 3"/>
+          <p:cNvSpPr>
+            <a:spLocks noGrp="1"/>
+          </p:cNvSpPr>
+          <p:nvPr>
+            <p:ph sz="half" idx="1"/>
           </p:nvPr>
         </p:nvSpPr>
         <p:spPr/>
         <p:txBody>
-          <a:bodyPr/>
+          <a:bodyPr>
+            <a:normAutofit/>
+          </a:bodyPr>
           <a:lstStyle/>
           <a:p>
             <a:r>
               <a:rPr lang="en-US" dirty="0" smtClean="0"/>
-              <a:t>Preparation is Key</a:t>
+              <a:t>Upon opening the file, the Analyze button will enable. </a:t>
+            </a:r>
+          </a:p>
+          <a:p>
+            <a:r>
+              <a:rPr lang="en-US" dirty="0" smtClean="0"/>
+              <a:t>Clicking the Analyze button will read the CSV and show all the stores that will be created.</a:t>
             </a:r>
             <a:endParaRPr lang="en-US" dirty="0"/>
           </a:p>
@@ -4664,11 +6067,13 @@
       </p:sp>
       <p:pic>
         <p:nvPicPr>
-          <p:cNvPr id="6" name="Picture 5"/>
+          <p:cNvPr id="6" name="Content Placeholder 5"/>
           <p:cNvPicPr>
-            <a:picLocks noChangeAspect="1"/>
+            <a:picLocks noGrp="1" noChangeAspect="1"/>
           </p:cNvPicPr>
-          <p:nvPr/>
+          <p:nvPr>
+            <p:ph sz="half" idx="2"/>
+          </p:nvPr>
         </p:nvPicPr>
         <p:blipFill>
           <a:blip r:embed="rId2">
@@ -4684,181 +6089,56 @@
         </p:blipFill>
         <p:spPr>
           <a:xfrm>
-            <a:off x="266700" y="1375223"/>
-            <a:ext cx="8610600" cy="4107554"/>
-          </a:xfrm>
-          <a:prstGeom prst="rect">
-            <a:avLst/>
-          </a:prstGeom>
+            <a:off x="5238550" y="2493763"/>
+            <a:ext cx="2857899" cy="2857899"/>
+          </a:xfrm>
         </p:spPr>
       </p:pic>
       <p:sp>
         <p:nvSpPr>
-          <p:cNvPr id="2" name="TextBox 1"/>
-          <p:cNvSpPr txBox="1"/>
-          <p:nvPr/>
-        </p:nvSpPr>
-        <p:spPr>
-          <a:xfrm>
-            <a:off x="266700" y="1594438"/>
-            <a:ext cx="2857500" cy="646331"/>
-          </a:xfrm>
-          <a:prstGeom prst="rect">
-            <a:avLst/>
-          </a:prstGeom>
-        </p:spPr>
-        <p:style>
-          <a:lnRef idx="2">
-            <a:schemeClr val="dk1"/>
-          </a:lnRef>
-          <a:fillRef idx="1">
-            <a:schemeClr val="lt1"/>
-          </a:fillRef>
-          <a:effectRef idx="0">
-            <a:schemeClr val="dk1"/>
-          </a:effectRef>
-          <a:fontRef idx="minor">
-            <a:schemeClr val="dk1"/>
-          </a:fontRef>
-        </p:style>
-        <p:txBody>
-          <a:bodyPr wrap="square" rtlCol="0">
-            <a:spAutoFit/>
-          </a:bodyPr>
-          <a:lstStyle/>
-          <a:p>
-            <a:pPr marL="342900" indent="-342900">
-              <a:buAutoNum type="arabicPeriod"/>
-            </a:pPr>
+          <p:cNvPr id="2" name="Title 1"/>
+          <p:cNvSpPr>
+            <a:spLocks noGrp="1"/>
+          </p:cNvSpPr>
+          <p:nvPr>
+            <p:ph type="title"/>
+          </p:nvPr>
+        </p:nvSpPr>
+        <p:spPr/>
+        <p:txBody>
+          <a:bodyPr/>
+          <a:lstStyle/>
+          <a:p>
             <a:r>
               <a:rPr lang="en-US" dirty="0" smtClean="0"/>
-              <a:t>Press Next, or ENTER on the keyboard.</a:t>
-            </a:r>
-            <a:endParaRPr lang="en-US" dirty="0"/>
-          </a:p>
-        </p:txBody>
-      </p:sp>
-      <p:sp>
-        <p:nvSpPr>
-          <p:cNvPr id="7" name="TextBox 6"/>
-          <p:cNvSpPr txBox="1"/>
-          <p:nvPr/>
-        </p:nvSpPr>
-        <p:spPr>
-          <a:xfrm>
-            <a:off x="6016487" y="2413477"/>
-            <a:ext cx="2857500" cy="646331"/>
-          </a:xfrm>
-          <a:prstGeom prst="rect">
-            <a:avLst/>
-          </a:prstGeom>
-        </p:spPr>
-        <p:style>
-          <a:lnRef idx="2">
-            <a:schemeClr val="dk1"/>
-          </a:lnRef>
-          <a:fillRef idx="1">
-            <a:schemeClr val="lt1"/>
-          </a:fillRef>
-          <a:effectRef idx="0">
-            <a:schemeClr val="dk1"/>
-          </a:effectRef>
-          <a:fontRef idx="minor">
-            <a:schemeClr val="dk1"/>
-          </a:fontRef>
-        </p:style>
-        <p:txBody>
-          <a:bodyPr wrap="square" rtlCol="0">
-            <a:spAutoFit/>
-          </a:bodyPr>
-          <a:lstStyle/>
-          <a:p>
-            <a:r>
-              <a:rPr lang="en-US" dirty="0" smtClean="0"/>
-              <a:t>2. Click the First Place of Data Entry</a:t>
-            </a:r>
-            <a:endParaRPr lang="en-US" dirty="0"/>
-          </a:p>
-        </p:txBody>
-      </p:sp>
-      <p:cxnSp>
-        <p:nvCxnSpPr>
-          <p:cNvPr id="4" name="Straight Arrow Connector 3"/>
-          <p:cNvCxnSpPr/>
-          <p:nvPr/>
-        </p:nvCxnSpPr>
-        <p:spPr>
-          <a:xfrm>
-            <a:off x="1695450" y="2240769"/>
-            <a:ext cx="666750" cy="273831"/>
-          </a:xfrm>
-          <a:prstGeom prst="straightConnector1">
-            <a:avLst/>
-          </a:prstGeom>
-          <a:ln>
-            <a:tailEnd type="arrow"/>
-          </a:ln>
-        </p:spPr>
-        <p:style>
-          <a:lnRef idx="1">
-            <a:schemeClr val="accent1"/>
-          </a:lnRef>
-          <a:fillRef idx="0">
-            <a:schemeClr val="accent1"/>
-          </a:fillRef>
-          <a:effectRef idx="0">
-            <a:schemeClr val="accent1"/>
-          </a:effectRef>
-          <a:fontRef idx="minor">
-            <a:schemeClr val="tx1"/>
-          </a:fontRef>
-        </p:style>
-      </p:cxnSp>
-      <p:cxnSp>
-        <p:nvCxnSpPr>
-          <p:cNvPr id="11" name="Straight Arrow Connector 10"/>
-          <p:cNvCxnSpPr>
-            <a:stCxn id="7" idx="1"/>
-          </p:cNvCxnSpPr>
-          <p:nvPr/>
-        </p:nvCxnSpPr>
-        <p:spPr>
-          <a:xfrm flipH="1" flipV="1">
-            <a:off x="5257800" y="2377684"/>
-            <a:ext cx="758687" cy="358959"/>
-          </a:xfrm>
-          <a:prstGeom prst="straightConnector1">
-            <a:avLst/>
-          </a:prstGeom>
-          <a:ln>
-            <a:tailEnd type="arrow"/>
-          </a:ln>
-        </p:spPr>
-        <p:style>
-          <a:lnRef idx="1">
-            <a:schemeClr val="accent1"/>
-          </a:lnRef>
-          <a:fillRef idx="0">
-            <a:schemeClr val="accent1"/>
-          </a:fillRef>
-          <a:effectRef idx="0">
-            <a:schemeClr val="accent1"/>
-          </a:effectRef>
-          <a:fontRef idx="minor">
-            <a:schemeClr val="tx1"/>
-          </a:fontRef>
-        </p:style>
-      </p:cxnSp>
+              <a:t>Analyze the CSV File</a:t>
+            </a:r>
+            <a:endParaRPr lang="en-US" dirty="0"/>
+          </a:p>
+        </p:txBody>
+      </p:sp>
     </p:spTree>
     <p:extLst>
       <p:ext uri="{BB962C8B-B14F-4D97-AF65-F5344CB8AC3E}">
-        <p14:creationId xmlns:p14="http://schemas.microsoft.com/office/powerpoint/2010/main" val="2011304237"/>
+        <p14:creationId xmlns:p14="http://schemas.microsoft.com/office/powerpoint/2010/main" val="1391251795"/>
       </p:ext>
     </p:extLst>
   </p:cSld>
   <p:clrMapOvr>
     <a:masterClrMapping/>
   </p:clrMapOvr>
+  <mc:AlternateContent xmlns:mc="http://schemas.openxmlformats.org/markup-compatibility/2006">
+    <mc:Choice xmlns:p14="http://schemas.microsoft.com/office/powerpoint/2010/main" Requires="p14">
+      <p:transition spd="med">
+        <p14:conveyor dir="l"/>
+      </p:transition>
+    </mc:Choice>
+    <mc:Fallback>
+      <p:transition spd="med">
+        <p:fade/>
+      </p:transition>
+    </mc:Fallback>
+  </mc:AlternateContent>
   <p:timing>
     <p:tnLst>
       <p:par>
@@ -4888,22 +6168,30 @@
       </p:grpSpPr>
       <p:sp>
         <p:nvSpPr>
-          <p:cNvPr id="5" name="Title 4"/>
-          <p:cNvSpPr>
-            <a:spLocks noGrp="1"/>
-          </p:cNvSpPr>
-          <p:nvPr>
-            <p:ph type="title"/>
+          <p:cNvPr id="4" name="Content Placeholder 3"/>
+          <p:cNvSpPr>
+            <a:spLocks noGrp="1"/>
+          </p:cNvSpPr>
+          <p:nvPr>
+            <p:ph sz="half" idx="1"/>
           </p:nvPr>
         </p:nvSpPr>
         <p:spPr/>
         <p:txBody>
-          <a:bodyPr/>
+          <a:bodyPr>
+            <a:normAutofit fontScale="92500" lnSpcReduction="10000"/>
+          </a:bodyPr>
           <a:lstStyle/>
           <a:p>
             <a:r>
               <a:rPr lang="en-US" dirty="0" smtClean="0"/>
-              <a:t>Preparation is Key</a:t>
+              <a:t>Click Run, this readies Quick Store to await your command.</a:t>
+            </a:r>
+          </a:p>
+          <a:p>
+            <a:r>
+              <a:rPr lang="en-US" dirty="0" smtClean="0"/>
+              <a:t>Quick Store will give you about a second to click Next (or press Enter on the keyboard) and then click the first place of data entry on the website.</a:t>
             </a:r>
             <a:endParaRPr lang="en-US" dirty="0"/>
           </a:p>
@@ -4911,11 +6199,13 @@
       </p:sp>
       <p:pic>
         <p:nvPicPr>
-          <p:cNvPr id="6" name="Picture 5"/>
+          <p:cNvPr id="6" name="Content Placeholder 5"/>
           <p:cNvPicPr>
-            <a:picLocks noChangeAspect="1"/>
+            <a:picLocks noGrp="1" noChangeAspect="1"/>
           </p:cNvPicPr>
-          <p:nvPr/>
+          <p:nvPr>
+            <p:ph sz="half" idx="2"/>
+          </p:nvPr>
         </p:nvPicPr>
         <p:blipFill>
           <a:blip r:embed="rId2">
@@ -4931,138 +6221,29 @@
         </p:blipFill>
         <p:spPr>
           <a:xfrm>
-            <a:off x="266700" y="1378527"/>
-            <a:ext cx="8610600" cy="4100945"/>
-          </a:xfrm>
-          <a:prstGeom prst="rect">
-            <a:avLst/>
-          </a:prstGeom>
+            <a:off x="5238550" y="2493763"/>
+            <a:ext cx="2857899" cy="2857899"/>
+          </a:xfrm>
         </p:spPr>
       </p:pic>
       <p:sp>
         <p:nvSpPr>
-          <p:cNvPr id="2" name="TextBox 1"/>
-          <p:cNvSpPr txBox="1"/>
-          <p:nvPr/>
-        </p:nvSpPr>
-        <p:spPr>
-          <a:xfrm>
-            <a:off x="1714500" y="1271272"/>
-            <a:ext cx="2857500" cy="923330"/>
-          </a:xfrm>
-          <a:prstGeom prst="rect">
-            <a:avLst/>
-          </a:prstGeom>
-        </p:spPr>
-        <p:style>
-          <a:lnRef idx="2">
-            <a:schemeClr val="dk1"/>
-          </a:lnRef>
-          <a:fillRef idx="1">
-            <a:schemeClr val="lt1"/>
-          </a:fillRef>
-          <a:effectRef idx="0">
-            <a:schemeClr val="dk1"/>
-          </a:effectRef>
-          <a:fontRef idx="minor">
-            <a:schemeClr val="dk1"/>
-          </a:fontRef>
-        </p:style>
-        <p:txBody>
-          <a:bodyPr wrap="square" rtlCol="0">
-            <a:spAutoFit/>
-          </a:bodyPr>
+          <p:cNvPr id="2" name="Title 1"/>
+          <p:cNvSpPr>
+            <a:spLocks noGrp="1"/>
+          </p:cNvSpPr>
+          <p:nvPr>
+            <p:ph type="title"/>
+          </p:nvPr>
+        </p:nvSpPr>
+        <p:spPr/>
+        <p:txBody>
+          <a:bodyPr/>
           <a:lstStyle/>
           <a:p>
             <a:r>
               <a:rPr lang="en-US" dirty="0" smtClean="0"/>
-              <a:t>Hold tight, and Quick Store will fill out all the fields in the form from your CSV.</a:t>
-            </a:r>
-            <a:endParaRPr lang="en-US" dirty="0"/>
-          </a:p>
-        </p:txBody>
-      </p:sp>
-      <p:sp>
-        <p:nvSpPr>
-          <p:cNvPr id="7" name="TextBox 6"/>
-          <p:cNvSpPr txBox="1"/>
-          <p:nvPr/>
-        </p:nvSpPr>
-        <p:spPr>
-          <a:xfrm>
-            <a:off x="1219200" y="2819400"/>
-            <a:ext cx="2857500" cy="923330"/>
-          </a:xfrm>
-          <a:prstGeom prst="rect">
-            <a:avLst/>
-          </a:prstGeom>
-        </p:spPr>
-        <p:style>
-          <a:lnRef idx="2">
-            <a:schemeClr val="dk1"/>
-          </a:lnRef>
-          <a:fillRef idx="1">
-            <a:schemeClr val="lt1"/>
-          </a:fillRef>
-          <a:effectRef idx="0">
-            <a:schemeClr val="dk1"/>
-          </a:effectRef>
-          <a:fontRef idx="minor">
-            <a:schemeClr val="dk1"/>
-          </a:fontRef>
-        </p:style>
-        <p:txBody>
-          <a:bodyPr wrap="square" rtlCol="0">
-            <a:spAutoFit/>
-          </a:bodyPr>
-          <a:lstStyle/>
-          <a:p>
-            <a:r>
-              <a:rPr lang="en-US" dirty="0" smtClean="0"/>
-              <a:t>Quick Store will also search for the Chain so you don’t have to. </a:t>
-            </a:r>
-            <a:endParaRPr lang="en-US" dirty="0"/>
-          </a:p>
-        </p:txBody>
-      </p:sp>
-      <p:sp>
-        <p:nvSpPr>
-          <p:cNvPr id="8" name="TextBox 7"/>
-          <p:cNvSpPr txBox="1"/>
-          <p:nvPr/>
-        </p:nvSpPr>
-        <p:spPr>
-          <a:xfrm>
-            <a:off x="450574" y="5266730"/>
-            <a:ext cx="4114800" cy="923330"/>
-          </a:xfrm>
-          <a:prstGeom prst="rect">
-            <a:avLst/>
-          </a:prstGeom>
-        </p:spPr>
-        <p:style>
-          <a:lnRef idx="2">
-            <a:schemeClr val="dk1"/>
-          </a:lnRef>
-          <a:fillRef idx="1">
-            <a:schemeClr val="lt1"/>
-          </a:fillRef>
-          <a:effectRef idx="0">
-            <a:schemeClr val="dk1"/>
-          </a:effectRef>
-          <a:fontRef idx="minor">
-            <a:schemeClr val="dk1"/>
-          </a:fontRef>
-        </p:style>
-        <p:txBody>
-          <a:bodyPr wrap="square" rtlCol="0">
-            <a:spAutoFit/>
-          </a:bodyPr>
-          <a:lstStyle/>
-          <a:p>
-            <a:r>
-              <a:rPr lang="en-US" dirty="0" smtClean="0"/>
-              <a:t>If the store you are adding has a Code, Quick Store will add it to your clipboard automatically. (See Next Slide)</a:t>
+              <a:t>Run Quick Store</a:t>
             </a:r>
             <a:endParaRPr lang="en-US" dirty="0"/>
           </a:p>
@@ -5071,13 +6252,25 @@
     </p:spTree>
     <p:extLst>
       <p:ext uri="{BB962C8B-B14F-4D97-AF65-F5344CB8AC3E}">
-        <p14:creationId xmlns:p14="http://schemas.microsoft.com/office/powerpoint/2010/main" val="2346140303"/>
+        <p14:creationId xmlns:p14="http://schemas.microsoft.com/office/powerpoint/2010/main" val="1087979511"/>
       </p:ext>
     </p:extLst>
   </p:cSld>
   <p:clrMapOvr>
     <a:masterClrMapping/>
   </p:clrMapOvr>
+  <mc:AlternateContent xmlns:mc="http://schemas.openxmlformats.org/markup-compatibility/2006">
+    <mc:Choice xmlns:p14="http://schemas.microsoft.com/office/powerpoint/2010/main" Requires="p14">
+      <p:transition spd="med">
+        <p14:conveyor dir="l"/>
+      </p:transition>
+    </mc:Choice>
+    <mc:Fallback>
+      <p:transition spd="med">
+        <p:fade/>
+      </p:transition>
+    </mc:Fallback>
+  </mc:AlternateContent>
   <p:timing>
     <p:tnLst>
       <p:par>
@@ -5107,7 +6300,7 @@
       </p:grpSpPr>
       <p:sp>
         <p:nvSpPr>
-          <p:cNvPr id="2" name="Title 1"/>
+          <p:cNvPr id="5" name="Title 4"/>
           <p:cNvSpPr>
             <a:spLocks noGrp="1"/>
           </p:cNvSpPr>
@@ -5122,44 +6315,7 @@
           <a:p>
             <a:r>
               <a:rPr lang="en-US" dirty="0" smtClean="0"/>
-              <a:t>Data Entry After Chain Input</a:t>
-            </a:r>
-            <a:endParaRPr lang="en-US" dirty="0"/>
-          </a:p>
-        </p:txBody>
-      </p:sp>
-      <p:sp>
-        <p:nvSpPr>
-          <p:cNvPr id="4" name="Content Placeholder 3"/>
-          <p:cNvSpPr>
-            <a:spLocks noGrp="1"/>
-          </p:cNvSpPr>
-          <p:nvPr>
-            <p:ph sz="half" idx="1"/>
-          </p:nvPr>
-        </p:nvSpPr>
-        <p:spPr/>
-        <p:txBody>
-          <a:bodyPr>
-            <a:normAutofit lnSpcReduction="10000"/>
-          </a:bodyPr>
-          <a:lstStyle/>
-          <a:p>
-            <a:r>
-              <a:rPr lang="en-US" dirty="0" smtClean="0"/>
-              <a:t>For some Customer Groups, more data needs to be entered after selecting the Chain.</a:t>
-            </a:r>
-          </a:p>
-          <a:p>
-            <a:r>
-              <a:rPr lang="en-US" dirty="0" smtClean="0"/>
-              <a:t>Quick Store will automatically send this to your clipboard. </a:t>
-            </a:r>
-          </a:p>
-          <a:p>
-            <a:r>
-              <a:rPr lang="en-US" dirty="0" smtClean="0"/>
-              <a:t>Otherwise, entry for that store will end.</a:t>
+              <a:t>Preparation is Key</a:t>
             </a:r>
             <a:endParaRPr lang="en-US" dirty="0"/>
           </a:p>
@@ -5167,13 +6323,11 @@
       </p:sp>
       <p:pic>
         <p:nvPicPr>
-          <p:cNvPr id="6" name="Content Placeholder 5"/>
+          <p:cNvPr id="6" name="Picture 5"/>
           <p:cNvPicPr>
-            <a:picLocks noGrp="1" noChangeAspect="1"/>
+            <a:picLocks noChangeAspect="1"/>
           </p:cNvPicPr>
-          <p:nvPr>
-            <p:ph sz="half" idx="2"/>
-          </p:nvPr>
+          <p:nvPr/>
         </p:nvPicPr>
         <p:blipFill>
           <a:blip r:embed="rId2">
@@ -5189,21 +6343,193 @@
         </p:blipFill>
         <p:spPr>
           <a:xfrm>
-            <a:off x="4678447" y="1752600"/>
-            <a:ext cx="3951403" cy="3329134"/>
-          </a:xfrm>
+            <a:off x="263387" y="1891099"/>
+            <a:ext cx="8610600" cy="4107554"/>
+          </a:xfrm>
+          <a:prstGeom prst="rect">
+            <a:avLst/>
+          </a:prstGeom>
         </p:spPr>
       </p:pic>
+      <p:sp>
+        <p:nvSpPr>
+          <p:cNvPr id="2" name="TextBox 1"/>
+          <p:cNvSpPr txBox="1"/>
+          <p:nvPr/>
+        </p:nvSpPr>
+        <p:spPr>
+          <a:xfrm>
+            <a:off x="266700" y="1594438"/>
+            <a:ext cx="2857500" cy="646331"/>
+          </a:xfrm>
+          <a:prstGeom prst="rect">
+            <a:avLst/>
+          </a:prstGeom>
+        </p:spPr>
+        <p:style>
+          <a:lnRef idx="2">
+            <a:schemeClr val="dk1"/>
+          </a:lnRef>
+          <a:fillRef idx="1">
+            <a:schemeClr val="lt1"/>
+          </a:fillRef>
+          <a:effectRef idx="0">
+            <a:schemeClr val="dk1"/>
+          </a:effectRef>
+          <a:fontRef idx="minor">
+            <a:schemeClr val="dk1"/>
+          </a:fontRef>
+        </p:style>
+        <p:txBody>
+          <a:bodyPr wrap="square" rtlCol="0">
+            <a:spAutoFit/>
+          </a:bodyPr>
+          <a:lstStyle/>
+          <a:p>
+            <a:pPr marL="342900" indent="-342900">
+              <a:buAutoNum type="arabicPeriod"/>
+            </a:pPr>
+            <a:r>
+              <a:rPr lang="en-US" dirty="0" smtClean="0"/>
+              <a:t>Press Next, or ENTER on the keyboard.</a:t>
+            </a:r>
+            <a:endParaRPr lang="en-US" dirty="0"/>
+          </a:p>
+        </p:txBody>
+      </p:sp>
+      <p:sp>
+        <p:nvSpPr>
+          <p:cNvPr id="7" name="TextBox 6"/>
+          <p:cNvSpPr txBox="1"/>
+          <p:nvPr/>
+        </p:nvSpPr>
+        <p:spPr>
+          <a:xfrm>
+            <a:off x="6016487" y="2553488"/>
+            <a:ext cx="2857500" cy="646331"/>
+          </a:xfrm>
+          <a:prstGeom prst="rect">
+            <a:avLst/>
+          </a:prstGeom>
+        </p:spPr>
+        <p:style>
+          <a:lnRef idx="2">
+            <a:schemeClr val="dk1"/>
+          </a:lnRef>
+          <a:fillRef idx="1">
+            <a:schemeClr val="lt1"/>
+          </a:fillRef>
+          <a:effectRef idx="0">
+            <a:schemeClr val="dk1"/>
+          </a:effectRef>
+          <a:fontRef idx="minor">
+            <a:schemeClr val="dk1"/>
+          </a:fontRef>
+        </p:style>
+        <p:txBody>
+          <a:bodyPr wrap="square" rtlCol="0">
+            <a:spAutoFit/>
+          </a:bodyPr>
+          <a:lstStyle/>
+          <a:p>
+            <a:r>
+              <a:rPr lang="en-US" dirty="0" smtClean="0"/>
+              <a:t>2. Click the First Place of Data Entry</a:t>
+            </a:r>
+            <a:endParaRPr lang="en-US" dirty="0"/>
+          </a:p>
+        </p:txBody>
+      </p:sp>
+      <p:cxnSp>
+        <p:nvCxnSpPr>
+          <p:cNvPr id="4" name="Straight Arrow Connector 3"/>
+          <p:cNvCxnSpPr/>
+          <p:nvPr/>
+        </p:nvCxnSpPr>
+        <p:spPr>
+          <a:xfrm>
+            <a:off x="1695450" y="2240769"/>
+            <a:ext cx="819150" cy="654831"/>
+          </a:xfrm>
+          <a:prstGeom prst="straightConnector1">
+            <a:avLst/>
+          </a:prstGeom>
+          <a:ln>
+            <a:tailEnd type="arrow"/>
+          </a:ln>
+        </p:spPr>
+        <p:style>
+          <a:lnRef idx="1">
+            <a:schemeClr val="accent1"/>
+          </a:lnRef>
+          <a:fillRef idx="0">
+            <a:schemeClr val="accent1"/>
+          </a:fillRef>
+          <a:effectRef idx="0">
+            <a:schemeClr val="accent1"/>
+          </a:effectRef>
+          <a:fontRef idx="minor">
+            <a:schemeClr val="tx1"/>
+          </a:fontRef>
+        </p:style>
+      </p:cxnSp>
+      <p:cxnSp>
+        <p:nvCxnSpPr>
+          <p:cNvPr id="11" name="Straight Arrow Connector 10"/>
+          <p:cNvCxnSpPr>
+            <a:stCxn id="7" idx="1"/>
+          </p:cNvCxnSpPr>
+          <p:nvPr/>
+        </p:nvCxnSpPr>
+        <p:spPr>
+          <a:xfrm flipH="1" flipV="1">
+            <a:off x="5486400" y="2743200"/>
+            <a:ext cx="530087" cy="133454"/>
+          </a:xfrm>
+          <a:prstGeom prst="straightConnector1">
+            <a:avLst/>
+          </a:prstGeom>
+          <a:ln>
+            <a:tailEnd type="arrow"/>
+          </a:ln>
+        </p:spPr>
+        <p:style>
+          <a:lnRef idx="1">
+            <a:schemeClr val="accent1"/>
+          </a:lnRef>
+          <a:fillRef idx="0">
+            <a:schemeClr val="accent1"/>
+          </a:fillRef>
+          <a:effectRef idx="0">
+            <a:schemeClr val="accent1"/>
+          </a:effectRef>
+          <a:fontRef idx="minor">
+            <a:schemeClr val="tx1"/>
+          </a:fontRef>
+        </p:style>
+      </p:cxnSp>
     </p:spTree>
     <p:extLst>
       <p:ext uri="{BB962C8B-B14F-4D97-AF65-F5344CB8AC3E}">
-        <p14:creationId xmlns:p14="http://schemas.microsoft.com/office/powerpoint/2010/main" val="2999038240"/>
+        <p14:creationId xmlns:p14="http://schemas.microsoft.com/office/powerpoint/2010/main" val="2011304237"/>
       </p:ext>
     </p:extLst>
   </p:cSld>
   <p:clrMapOvr>
     <a:masterClrMapping/>
   </p:clrMapOvr>
+  <mc:AlternateContent xmlns:mc="http://schemas.openxmlformats.org/markup-compatibility/2006">
+    <mc:Choice xmlns:p14="http://schemas.microsoft.com/office/powerpoint/2010/main" Requires="p14">
+      <p:transition spd="med">
+        <p14:conveyor dir="l"/>
+      </p:transition>
+    </mc:Choice>
+    <mc:Fallback>
+      <p:transition spd="med">
+        <p:fade/>
+      </p:transition>
+    </mc:Fallback>
+  </mc:AlternateContent>
   <p:timing>
     <p:tnLst>
       <p:par>
@@ -5215,9 +6541,9 @@
 </file>
 
 <file path=ppt/theme/theme1.xml><?xml version="1.0" encoding="utf-8"?>
-<a:theme xmlns:a="http://schemas.openxmlformats.org/drawingml/2006/main" name="Office Theme">
+<a:theme xmlns:a="http://schemas.openxmlformats.org/drawingml/2006/main" name="Grid">
   <a:themeElements>
-    <a:clrScheme name="Office">
+    <a:clrScheme name="Grid">
       <a:dk1>
         <a:sysClr val="windowText" lastClr="000000"/>
       </a:dk1>
@@ -5225,82 +6551,47 @@
         <a:sysClr val="window" lastClr="FFFFFF"/>
       </a:lt1>
       <a:dk2>
-        <a:srgbClr val="1F497D"/>
+        <a:srgbClr val="534949"/>
       </a:dk2>
       <a:lt2>
-        <a:srgbClr val="EEECE1"/>
+        <a:srgbClr val="CCD1B9"/>
       </a:lt2>
       <a:accent1>
-        <a:srgbClr val="4F81BD"/>
+        <a:srgbClr val="C66951"/>
       </a:accent1>
       <a:accent2>
-        <a:srgbClr val="C0504D"/>
+        <a:srgbClr val="BF974D"/>
       </a:accent2>
       <a:accent3>
-        <a:srgbClr val="9BBB59"/>
+        <a:srgbClr val="928B70"/>
       </a:accent3>
       <a:accent4>
-        <a:srgbClr val="8064A2"/>
+        <a:srgbClr val="87706B"/>
       </a:accent4>
       <a:accent5>
-        <a:srgbClr val="4BACC6"/>
+        <a:srgbClr val="94734E"/>
       </a:accent5>
       <a:accent6>
-        <a:srgbClr val="F79646"/>
+        <a:srgbClr val="6F777D"/>
       </a:accent6>
       <a:hlink>
-        <a:srgbClr val="0000FF"/>
+        <a:srgbClr val="CC9900"/>
       </a:hlink>
       <a:folHlink>
-        <a:srgbClr val="800080"/>
+        <a:srgbClr val="C0C0C0"/>
       </a:folHlink>
     </a:clrScheme>
-    <a:fontScheme name="Office">
+    <a:fontScheme name="Grid">
       <a:majorFont>
-        <a:latin typeface="Calibri"/>
+        <a:latin typeface="Franklin Gothic Medium"/>
         <a:ea typeface=""/>
         <a:cs typeface=""/>
-        <a:font script="Jpan" typeface="ＭＳ Ｐゴシック"/>
-        <a:font script="Hang" typeface="맑은 고딕"/>
-        <a:font script="Hans" typeface="宋体"/>
-        <a:font script="Hant" typeface="新細明體"/>
-        <a:font script="Arab" typeface="Times New Roman"/>
-        <a:font script="Hebr" typeface="Times New Roman"/>
-        <a:font script="Thai" typeface="Angsana New"/>
-        <a:font script="Ethi" typeface="Nyala"/>
-        <a:font script="Beng" typeface="Vrinda"/>
-        <a:font script="Gujr" typeface="Shruti"/>
-        <a:font script="Khmr" typeface="MoolBoran"/>
-        <a:font script="Knda" typeface="Tunga"/>
-        <a:font script="Guru" typeface="Raavi"/>
-        <a:font script="Cans" typeface="Euphemia"/>
-        <a:font script="Cher" typeface="Plantagenet Cherokee"/>
-        <a:font script="Yiii" typeface="Microsoft Yi Baiti"/>
-        <a:font script="Tibt" typeface="Microsoft Himalaya"/>
-        <a:font script="Thaa" typeface="MV Boli"/>
-        <a:font script="Deva" typeface="Mangal"/>
-        <a:font script="Telu" typeface="Gautami"/>
-        <a:font script="Taml" typeface="Latha"/>
-        <a:font script="Syrc" typeface="Estrangelo Edessa"/>
-        <a:font script="Orya" typeface="Kalinga"/>
-        <a:font script="Mlym" typeface="Kartika"/>
-        <a:font script="Laoo" typeface="DokChampa"/>
-        <a:font script="Sinh" typeface="Iskoola Pota"/>
-        <a:font script="Mong" typeface="Mongolian Baiti"/>
-        <a:font script="Viet" typeface="Times New Roman"/>
-        <a:font script="Uigh" typeface="Microsoft Uighur"/>
-        <a:font script="Geor" typeface="Sylfaen"/>
-      </a:majorFont>
-      <a:minorFont>
-        <a:latin typeface="Calibri"/>
-        <a:ea typeface=""/>
-        <a:cs typeface=""/>
-        <a:font script="Jpan" typeface="ＭＳ Ｐゴシック"/>
-        <a:font script="Hang" typeface="맑은 고딕"/>
-        <a:font script="Hans" typeface="宋体"/>
-        <a:font script="Hant" typeface="新細明體"/>
-        <a:font script="Arab" typeface="Arial"/>
-        <a:font script="Hebr" typeface="Arial"/>
+        <a:font script="Jpan" typeface="HG創英角ｺﾞｼｯｸUB"/>
+        <a:font script="Hang" typeface="HY견고딕"/>
+        <a:font script="Hans" typeface="微软雅黑"/>
+        <a:font script="Hant" typeface="微軟正黑體"/>
+        <a:font script="Arab" typeface="Arial Bold"/>
+        <a:font script="Hebr" typeface="Arial Bold"/>
         <a:font script="Thai" typeface="Cordia New"/>
         <a:font script="Ethi" typeface="Nyala"/>
         <a:font script="Beng" typeface="Vrinda"/>
@@ -5322,80 +6613,91 @@
         <a:font script="Laoo" typeface="DokChampa"/>
         <a:font script="Sinh" typeface="Iskoola Pota"/>
         <a:font script="Mong" typeface="Mongolian Baiti"/>
-        <a:font script="Viet" typeface="Arial"/>
+        <a:font script="Viet" typeface="Arial Bold"/>
+        <a:font script="Uigh" typeface="Microsoft Uighur"/>
+        <a:font script="Geor" typeface="Sylfaen"/>
+      </a:majorFont>
+      <a:minorFont>
+        <a:latin typeface="Franklin Gothic Medium"/>
+        <a:ea typeface=""/>
+        <a:cs typeface=""/>
+        <a:font script="Jpan" typeface="HG創英角ｺﾞｼｯｸUB"/>
+        <a:font script="Hang" typeface="HY견고딕"/>
+        <a:font script="Hans" typeface="微软雅黑"/>
+        <a:font script="Hant" typeface="微軟正黑體"/>
+        <a:font script="Arab" typeface="Arial Bold"/>
+        <a:font script="Hebr" typeface="Arial Bold"/>
+        <a:font script="Thai" typeface="Cordia New"/>
+        <a:font script="Ethi" typeface="Nyala"/>
+        <a:font script="Beng" typeface="Vrinda"/>
+        <a:font script="Gujr" typeface="Shruti"/>
+        <a:font script="Khmr" typeface="DaunPenh"/>
+        <a:font script="Knda" typeface="Tunga"/>
+        <a:font script="Guru" typeface="Raavi"/>
+        <a:font script="Cans" typeface="Euphemia"/>
+        <a:font script="Cher" typeface="Plantagenet Cherokee"/>
+        <a:font script="Yiii" typeface="Microsoft Yi Baiti"/>
+        <a:font script="Tibt" typeface="Microsoft Himalaya"/>
+        <a:font script="Thaa" typeface="MV Boli"/>
+        <a:font script="Deva" typeface="Mangal"/>
+        <a:font script="Telu" typeface="Gautami"/>
+        <a:font script="Taml" typeface="Latha"/>
+        <a:font script="Syrc" typeface="Estrangelo Edessa"/>
+        <a:font script="Orya" typeface="Kalinga"/>
+        <a:font script="Mlym" typeface="Kartika"/>
+        <a:font script="Laoo" typeface="DokChampa"/>
+        <a:font script="Sinh" typeface="Iskoola Pota"/>
+        <a:font script="Mong" typeface="Mongolian Baiti"/>
+        <a:font script="Viet" typeface="Arial Bold"/>
         <a:font script="Uigh" typeface="Microsoft Uighur"/>
         <a:font script="Geor" typeface="Sylfaen"/>
       </a:minorFont>
     </a:fontScheme>
-    <a:fmtScheme name="Office">
+    <a:fmtScheme name="Grid">
       <a:fillStyleLst>
         <a:solidFill>
           <a:schemeClr val="phClr"/>
         </a:solidFill>
+        <a:solidFill>
+          <a:schemeClr val="phClr">
+            <a:tint val="50000"/>
+          </a:schemeClr>
+        </a:solidFill>
         <a:gradFill rotWithShape="1">
           <a:gsLst>
             <a:gs pos="0">
+              <a:schemeClr val="phClr"/>
+            </a:gs>
+            <a:gs pos="90000">
               <a:schemeClr val="phClr">
-                <a:tint val="50000"/>
-                <a:satMod val="300000"/>
-              </a:schemeClr>
-            </a:gs>
-            <a:gs pos="35000">
-              <a:schemeClr val="phClr">
-                <a:tint val="37000"/>
-                <a:satMod val="300000"/>
+                <a:shade val="100000"/>
               </a:schemeClr>
             </a:gs>
             <a:gs pos="100000">
               <a:schemeClr val="phClr">
-                <a:tint val="15000"/>
-                <a:satMod val="350000"/>
+                <a:shade val="85000"/>
               </a:schemeClr>
             </a:gs>
           </a:gsLst>
-          <a:lin ang="16200000" scaled="1"/>
-        </a:gradFill>
-        <a:gradFill rotWithShape="1">
-          <a:gsLst>
-            <a:gs pos="0">
-              <a:schemeClr val="phClr">
-                <a:shade val="51000"/>
-                <a:satMod val="130000"/>
-              </a:schemeClr>
-            </a:gs>
-            <a:gs pos="80000">
-              <a:schemeClr val="phClr">
-                <a:shade val="93000"/>
-                <a:satMod val="130000"/>
-              </a:schemeClr>
-            </a:gs>
-            <a:gs pos="100000">
-              <a:schemeClr val="phClr">
-                <a:shade val="94000"/>
-                <a:satMod val="135000"/>
-              </a:schemeClr>
-            </a:gs>
-          </a:gsLst>
-          <a:lin ang="16200000" scaled="0"/>
+          <a:path path="circle">
+            <a:fillToRect l="100000" t="100000" r="100000" b="100000"/>
+          </a:path>
         </a:gradFill>
       </a:fillStyleLst>
       <a:lnStyleLst>
-        <a:ln w="9525" cap="flat" cmpd="sng" algn="ctr">
-          <a:solidFill>
-            <a:schemeClr val="phClr">
-              <a:shade val="95000"/>
-              <a:satMod val="105000"/>
-            </a:schemeClr>
-          </a:solidFill>
-          <a:prstDash val="solid"/>
-        </a:ln>
-        <a:ln w="25400" cap="flat" cmpd="sng" algn="ctr">
+        <a:ln w="10000" cap="flat" cmpd="sng" algn="ctr">
           <a:solidFill>
             <a:schemeClr val="phClr"/>
           </a:solidFill>
           <a:prstDash val="solid"/>
         </a:ln>
-        <a:ln w="38100" cap="flat" cmpd="sng" algn="ctr">
+        <a:ln w="19050" cap="flat" cmpd="sng" algn="ctr">
+          <a:solidFill>
+            <a:schemeClr val="phClr"/>
+          </a:solidFill>
+          <a:prstDash val="solid"/>
+        </a:ln>
+        <a:ln w="47625" cap="flat" cmpd="dbl" algn="ctr">
           <a:solidFill>
             <a:schemeClr val="phClr"/>
           </a:solidFill>
@@ -5404,28 +6706,22 @@
       </a:lnStyleLst>
       <a:effectStyleLst>
         <a:effectStyle>
+          <a:effectLst/>
+        </a:effectStyle>
+        <a:effectStyle>
           <a:effectLst>
-            <a:outerShdw blurRad="40000" dist="20000" dir="5400000" rotWithShape="0">
+            <a:outerShdw blurRad="31750" dist="25400" dir="5400000" rotWithShape="0">
               <a:srgbClr val="000000">
-                <a:alpha val="38000"/>
+                <a:alpha val="50000"/>
               </a:srgbClr>
             </a:outerShdw>
           </a:effectLst>
         </a:effectStyle>
         <a:effectStyle>
           <a:effectLst>
-            <a:outerShdw blurRad="40000" dist="23000" dir="5400000" rotWithShape="0">
+            <a:outerShdw blurRad="38100" dist="25400" dir="5400000" rotWithShape="0">
               <a:srgbClr val="000000">
-                <a:alpha val="35000"/>
-              </a:srgbClr>
-            </a:outerShdw>
-          </a:effectLst>
-        </a:effectStyle>
-        <a:effectStyle>
-          <a:effectLst>
-            <a:outerShdw blurRad="40000" dist="23000" dir="5400000" rotWithShape="0">
-              <a:srgbClr val="000000">
-                <a:alpha val="35000"/>
+                <a:alpha val="45000"/>
               </a:srgbClr>
             </a:outerShdw>
           </a:effectLst>
@@ -5433,12 +6729,15 @@
             <a:camera prst="orthographicFront">
               <a:rot lat="0" lon="0" rev="0"/>
             </a:camera>
-            <a:lightRig rig="threePt" dir="t">
-              <a:rot lat="0" lon="0" rev="1200000"/>
-            </a:lightRig>
+            <a:lightRig rig="brightRoom" dir="t"/>
           </a:scene3d>
-          <a:sp3d>
-            <a:bevelT w="63500" h="25400"/>
+          <a:sp3d extrusionH="12700" contourW="25400" prstMaterial="flat">
+            <a:bevelT w="63500" h="152400" prst="angle"/>
+            <a:contourClr>
+              <a:schemeClr val="phClr">
+                <a:shade val="30000"/>
+              </a:schemeClr>
+            </a:contourClr>
           </a:sp3d>
         </a:effectStyle>
       </a:effectStyleLst>
@@ -5446,51 +6745,27 @@
         <a:solidFill>
           <a:schemeClr val="phClr"/>
         </a:solidFill>
-        <a:gradFill rotWithShape="1">
-          <a:gsLst>
-            <a:gs pos="0">
+        <a:solidFill>
+          <a:schemeClr val="phClr">
+            <a:tint val="90000"/>
+            <a:shade val="93000"/>
+            <a:satMod val="150000"/>
+          </a:schemeClr>
+        </a:solidFill>
+        <a:blipFill rotWithShape="1">
+          <a:blip xmlns:r="http://schemas.openxmlformats.org/officeDocument/2006/relationships" r:embed="rId1">
+            <a:duotone>
               <a:schemeClr val="phClr">
-                <a:tint val="40000"/>
-                <a:satMod val="350000"/>
+                <a:tint val="95000"/>
               </a:schemeClr>
-            </a:gs>
-            <a:gs pos="40000">
               <a:schemeClr val="phClr">
-                <a:tint val="45000"/>
-                <a:shade val="99000"/>
-                <a:satMod val="350000"/>
+                <a:shade val="93000"/>
+                <a:satMod val="110000"/>
               </a:schemeClr>
-            </a:gs>
-            <a:gs pos="100000">
-              <a:schemeClr val="phClr">
-                <a:shade val="20000"/>
-                <a:satMod val="255000"/>
-              </a:schemeClr>
-            </a:gs>
-          </a:gsLst>
-          <a:path path="circle">
-            <a:fillToRect l="50000" t="-80000" r="50000" b="180000"/>
-          </a:path>
-        </a:gradFill>
-        <a:gradFill rotWithShape="1">
-          <a:gsLst>
-            <a:gs pos="0">
-              <a:schemeClr val="phClr">
-                <a:tint val="80000"/>
-                <a:satMod val="300000"/>
-              </a:schemeClr>
-            </a:gs>
-            <a:gs pos="100000">
-              <a:schemeClr val="phClr">
-                <a:shade val="30000"/>
-                <a:satMod val="200000"/>
-              </a:schemeClr>
-            </a:gs>
-          </a:gsLst>
-          <a:path path="circle">
-            <a:fillToRect l="50000" t="50000" r="50000" b="50000"/>
-          </a:path>
-        </a:gradFill>
+            </a:duotone>
+          </a:blip>
+          <a:tile tx="0" ty="0" sx="100000" sy="100000" flip="none" algn="tl"/>
+        </a:blipFill>
       </a:bgFillStyleLst>
     </a:fmtScheme>
   </a:themeElements>
